--- a/Slides/6_RNAseq_counts.pptx
+++ b/Slides/6_RNAseq_counts.pptx
@@ -5,27 +5,29 @@
     <p:sldMasterId id="2147483702" r:id="rId1"/>
   </p:sldMasterIdLst>
   <p:notesMasterIdLst>
-    <p:notesMasterId r:id="rId20"/>
+    <p:notesMasterId r:id="rId22"/>
   </p:notesMasterIdLst>
   <p:sldIdLst>
     <p:sldId id="256" r:id="rId2"/>
     <p:sldId id="270" r:id="rId3"/>
     <p:sldId id="258" r:id="rId4"/>
     <p:sldId id="276" r:id="rId5"/>
-    <p:sldId id="285" r:id="rId6"/>
-    <p:sldId id="293" r:id="rId7"/>
-    <p:sldId id="294" r:id="rId8"/>
-    <p:sldId id="295" r:id="rId9"/>
-    <p:sldId id="296" r:id="rId10"/>
-    <p:sldId id="277" r:id="rId11"/>
-    <p:sldId id="286" r:id="rId12"/>
-    <p:sldId id="287" r:id="rId13"/>
-    <p:sldId id="284" r:id="rId14"/>
-    <p:sldId id="297" r:id="rId15"/>
-    <p:sldId id="298" r:id="rId16"/>
-    <p:sldId id="299" r:id="rId17"/>
-    <p:sldId id="300" r:id="rId18"/>
-    <p:sldId id="301" r:id="rId19"/>
+    <p:sldId id="302" r:id="rId6"/>
+    <p:sldId id="285" r:id="rId7"/>
+    <p:sldId id="293" r:id="rId8"/>
+    <p:sldId id="294" r:id="rId9"/>
+    <p:sldId id="295" r:id="rId10"/>
+    <p:sldId id="296" r:id="rId11"/>
+    <p:sldId id="277" r:id="rId12"/>
+    <p:sldId id="286" r:id="rId13"/>
+    <p:sldId id="287" r:id="rId14"/>
+    <p:sldId id="284" r:id="rId15"/>
+    <p:sldId id="297" r:id="rId16"/>
+    <p:sldId id="298" r:id="rId17"/>
+    <p:sldId id="299" r:id="rId18"/>
+    <p:sldId id="300" r:id="rId19"/>
+    <p:sldId id="301" r:id="rId20"/>
+    <p:sldId id="303" r:id="rId21"/>
   </p:sldIdLst>
   <p:sldSz cx="12192000" cy="6858000"/>
   <p:notesSz cx="6858000" cy="9144000"/>
@@ -9347,7 +9349,7 @@
           <a:p>
             <a:fld id="{5B59F1FD-6F52-D847-82A4-47C2D58B80EA}" type="datetimeFigureOut">
               <a:rPr lang="en-GB" smtClean="0"/>
-              <a:t>02/08/2022</a:t>
+              <a:t>16/08/2022</a:t>
             </a:fld>
             <a:endParaRPr lang="en-GB"/>
           </a:p>
@@ -9743,56 +9745,7 @@
           <a:bodyPr/>
           <a:lstStyle/>
           <a:p>
-            <a:r>
-              <a:rPr lang="en-GB" dirty="0"/>
-              <a:t>DESEQ2 original paper: https://</a:t>
-            </a:r>
-            <a:r>
-              <a:rPr lang="en-GB" dirty="0" err="1"/>
-              <a:t>genomebiology.biomedcentral.com</a:t>
-            </a:r>
-            <a:r>
-              <a:rPr lang="en-GB" dirty="0"/>
-              <a:t>/articles/10.1186/s13059-014-0550-8</a:t>
-            </a:r>
-          </a:p>
-          <a:p>
-            <a:r>
-              <a:rPr lang="en-GB" dirty="0"/>
-              <a:t>Usage tutorial: https://</a:t>
-            </a:r>
-            <a:r>
-              <a:rPr lang="en-GB" dirty="0" err="1"/>
-              <a:t>www.bioconductor.org</a:t>
-            </a:r>
-            <a:r>
-              <a:rPr lang="en-GB" dirty="0"/>
-              <a:t>/packages/</a:t>
-            </a:r>
-            <a:r>
-              <a:rPr lang="en-GB" dirty="0" err="1"/>
-              <a:t>devel</a:t>
-            </a:r>
-            <a:r>
-              <a:rPr lang="en-GB" dirty="0"/>
-              <a:t>/</a:t>
-            </a:r>
-            <a:r>
-              <a:rPr lang="en-GB" dirty="0" err="1"/>
-              <a:t>bioc</a:t>
-            </a:r>
-            <a:r>
-              <a:rPr lang="en-GB" dirty="0"/>
-              <a:t>/vignettes/DESeq2/</a:t>
-            </a:r>
-            <a:r>
-              <a:rPr lang="en-GB" dirty="0" err="1"/>
-              <a:t>inst</a:t>
-            </a:r>
-            <a:r>
-              <a:rPr lang="en-GB" dirty="0"/>
-              <a:t>/doc/DESeq2.html</a:t>
-            </a:r>
+            <a:endParaRPr lang="en-GB" u="none" dirty="0"/>
           </a:p>
         </p:txBody>
       </p:sp>
@@ -9803,7 +9756,7 @@
             <a:spLocks noGrp="1"/>
           </p:cNvSpPr>
           <p:nvPr>
-            <p:ph type="sldNum" sz="quarter" idx="5"/>
+            <p:ph type="sldNum" sz="quarter" idx="10"/>
           </p:nvPr>
         </p:nvSpPr>
         <p:spPr/>
@@ -9813,7 +9766,7 @@
           <a:p>
             <a:fld id="{08DC7B87-F559-46E3-A28F-0AC95BADFEA0}" type="slidenum">
               <a:rPr lang="en-GB" smtClean="0"/>
-              <a:t>13</a:t>
+              <a:t>11</a:t>
             </a:fld>
             <a:endParaRPr lang="en-GB"/>
           </a:p>
@@ -9822,7 +9775,7 @@
     </p:spTree>
     <p:extLst>
       <p:ext uri="{BB962C8B-B14F-4D97-AF65-F5344CB8AC3E}">
-        <p14:creationId xmlns:p14="http://schemas.microsoft.com/office/powerpoint/2010/main" val="3690975525"/>
+        <p14:creationId xmlns:p14="http://schemas.microsoft.com/office/powerpoint/2010/main" val="646970386"/>
       </p:ext>
     </p:extLst>
   </p:cSld>
@@ -9875,6 +9828,53 @@
         <p:txBody>
           <a:bodyPr/>
           <a:lstStyle/>
+          <a:p>
+            <a:r>
+              <a:rPr lang="en-GB" dirty="0" err="1"/>
+              <a:t>DESeq</a:t>
+            </a:r>
+            <a:r>
+              <a:rPr lang="en-GB" dirty="0"/>
+              <a:t>: </a:t>
+            </a:r>
+            <a:r>
+              <a:rPr lang="en-US" sz="1200" b="0" i="0" u="sng" kern="1200" dirty="0">
+                <a:solidFill>
+                  <a:schemeClr val="tx1"/>
+                </a:solidFill>
+                <a:effectLst/>
+                <a:latin typeface="+mn-lt"/>
+                <a:ea typeface="+mn-ea"/>
+                <a:cs typeface="+mn-cs"/>
+                <a:hlinkClick r:id="rId3"/>
+              </a:rPr>
+              <a:t>https://doi.org/10.1186/gb-2010-11-10-r106</a:t>
+            </a:r>
+            <a:endParaRPr lang="en-US" sz="1200" b="0" i="0" u="none" kern="1200" dirty="0">
+              <a:solidFill>
+                <a:schemeClr val="tx1"/>
+              </a:solidFill>
+              <a:effectLst/>
+              <a:latin typeface="+mn-lt"/>
+              <a:ea typeface="+mn-ea"/>
+              <a:cs typeface="+mn-cs"/>
+            </a:endParaRPr>
+          </a:p>
+          <a:p>
+            <a:r>
+              <a:rPr lang="en-US" sz="1200" b="0" i="0" u="none" kern="1200" dirty="0">
+                <a:solidFill>
+                  <a:schemeClr val="tx1"/>
+                </a:solidFill>
+                <a:effectLst/>
+                <a:latin typeface="+mn-lt"/>
+                <a:ea typeface="+mn-ea"/>
+                <a:cs typeface="+mn-cs"/>
+              </a:rPr>
+              <a:t> </a:t>
+            </a:r>
+            <a:endParaRPr lang="en-GB" dirty="0"/>
+          </a:p>
           <a:p>
             <a:r>
               <a:rPr lang="en-GB" dirty="0"/>
@@ -9955,7 +9955,7 @@
     </p:spTree>
     <p:extLst>
       <p:ext uri="{BB962C8B-B14F-4D97-AF65-F5344CB8AC3E}">
-        <p14:creationId xmlns:p14="http://schemas.microsoft.com/office/powerpoint/2010/main" val="754247538"/>
+        <p14:creationId xmlns:p14="http://schemas.microsoft.com/office/powerpoint/2010/main" val="3690975525"/>
       </p:ext>
     </p:extLst>
   </p:cSld>
@@ -10088,7 +10088,7 @@
     </p:spTree>
     <p:extLst>
       <p:ext uri="{BB962C8B-B14F-4D97-AF65-F5344CB8AC3E}">
-        <p14:creationId xmlns:p14="http://schemas.microsoft.com/office/powerpoint/2010/main" val="1670027092"/>
+        <p14:creationId xmlns:p14="http://schemas.microsoft.com/office/powerpoint/2010/main" val="754247538"/>
       </p:ext>
     </p:extLst>
   </p:cSld>
@@ -10221,7 +10221,7 @@
     </p:spTree>
     <p:extLst>
       <p:ext uri="{BB962C8B-B14F-4D97-AF65-F5344CB8AC3E}">
-        <p14:creationId xmlns:p14="http://schemas.microsoft.com/office/powerpoint/2010/main" val="3083977817"/>
+        <p14:creationId xmlns:p14="http://schemas.microsoft.com/office/powerpoint/2010/main" val="1670027092"/>
       </p:ext>
     </p:extLst>
   </p:cSld>
@@ -10354,7 +10354,7 @@
     </p:spTree>
     <p:extLst>
       <p:ext uri="{BB962C8B-B14F-4D97-AF65-F5344CB8AC3E}">
-        <p14:creationId xmlns:p14="http://schemas.microsoft.com/office/powerpoint/2010/main" val="1114873129"/>
+        <p14:creationId xmlns:p14="http://schemas.microsoft.com/office/powerpoint/2010/main" val="3083977817"/>
       </p:ext>
     </p:extLst>
   </p:cSld>
@@ -10487,7 +10487,224 @@
     </p:spTree>
     <p:extLst>
       <p:ext uri="{BB962C8B-B14F-4D97-AF65-F5344CB8AC3E}">
+        <p14:creationId xmlns:p14="http://schemas.microsoft.com/office/powerpoint/2010/main" val="1114873129"/>
+      </p:ext>
+    </p:extLst>
+  </p:cSld>
+  <p:clrMapOvr>
+    <a:masterClrMapping/>
+  </p:clrMapOvr>
+</p:notes>
+</file>
+
+<file path=ppt/notesSlides/notesSlide16.xml><?xml version="1.0" encoding="utf-8"?>
+<p:notes xmlns:a="http://schemas.openxmlformats.org/drawingml/2006/main" xmlns:r="http://schemas.openxmlformats.org/officeDocument/2006/relationships" xmlns:p="http://schemas.openxmlformats.org/presentationml/2006/main">
+  <p:cSld>
+    <p:spTree>
+      <p:nvGrpSpPr>
+        <p:cNvPr id="1" name=""/>
+        <p:cNvGrpSpPr/>
+        <p:nvPr/>
+      </p:nvGrpSpPr>
+      <p:grpSpPr>
+        <a:xfrm>
+          <a:off x="0" y="0"/>
+          <a:ext cx="0" cy="0"/>
+          <a:chOff x="0" y="0"/>
+          <a:chExt cx="0" cy="0"/>
+        </a:xfrm>
+      </p:grpSpPr>
+      <p:sp>
+        <p:nvSpPr>
+          <p:cNvPr id="2" name="Slide Image Placeholder 1"/>
+          <p:cNvSpPr>
+            <a:spLocks noGrp="1" noRot="1" noChangeAspect="1"/>
+          </p:cNvSpPr>
+          <p:nvPr>
+            <p:ph type="sldImg"/>
+          </p:nvPr>
+        </p:nvSpPr>
+        <p:spPr/>
+      </p:sp>
+      <p:sp>
+        <p:nvSpPr>
+          <p:cNvPr id="3" name="Notes Placeholder 2"/>
+          <p:cNvSpPr>
+            <a:spLocks noGrp="1"/>
+          </p:cNvSpPr>
+          <p:nvPr>
+            <p:ph type="body" idx="1"/>
+          </p:nvPr>
+        </p:nvSpPr>
+        <p:spPr/>
+        <p:txBody>
+          <a:bodyPr/>
+          <a:lstStyle/>
+          <a:p>
+            <a:r>
+              <a:rPr lang="en-GB" dirty="0"/>
+              <a:t>DESEQ2 original paper: https://</a:t>
+            </a:r>
+            <a:r>
+              <a:rPr lang="en-GB" dirty="0" err="1"/>
+              <a:t>genomebiology.biomedcentral.com</a:t>
+            </a:r>
+            <a:r>
+              <a:rPr lang="en-GB" dirty="0"/>
+              <a:t>/articles/10.1186/s13059-014-0550-8</a:t>
+            </a:r>
+          </a:p>
+          <a:p>
+            <a:r>
+              <a:rPr lang="en-GB" dirty="0"/>
+              <a:t>Usage tutorial: https://</a:t>
+            </a:r>
+            <a:r>
+              <a:rPr lang="en-GB" dirty="0" err="1"/>
+              <a:t>www.bioconductor.org</a:t>
+            </a:r>
+            <a:r>
+              <a:rPr lang="en-GB" dirty="0"/>
+              <a:t>/packages/</a:t>
+            </a:r>
+            <a:r>
+              <a:rPr lang="en-GB" dirty="0" err="1"/>
+              <a:t>devel</a:t>
+            </a:r>
+            <a:r>
+              <a:rPr lang="en-GB" dirty="0"/>
+              <a:t>/</a:t>
+            </a:r>
+            <a:r>
+              <a:rPr lang="en-GB" dirty="0" err="1"/>
+              <a:t>bioc</a:t>
+            </a:r>
+            <a:r>
+              <a:rPr lang="en-GB" dirty="0"/>
+              <a:t>/vignettes/DESeq2/</a:t>
+            </a:r>
+            <a:r>
+              <a:rPr lang="en-GB" dirty="0" err="1"/>
+              <a:t>inst</a:t>
+            </a:r>
+            <a:r>
+              <a:rPr lang="en-GB" dirty="0"/>
+              <a:t>/doc/DESeq2.html</a:t>
+            </a:r>
+          </a:p>
+        </p:txBody>
+      </p:sp>
+      <p:sp>
+        <p:nvSpPr>
+          <p:cNvPr id="4" name="Slide Number Placeholder 3"/>
+          <p:cNvSpPr>
+            <a:spLocks noGrp="1"/>
+          </p:cNvSpPr>
+          <p:nvPr>
+            <p:ph type="sldNum" sz="quarter" idx="5"/>
+          </p:nvPr>
+        </p:nvSpPr>
+        <p:spPr/>
+        <p:txBody>
+          <a:bodyPr/>
+          <a:lstStyle/>
+          <a:p>
+            <a:fld id="{08DC7B87-F559-46E3-A28F-0AC95BADFEA0}" type="slidenum">
+              <a:rPr lang="en-GB" smtClean="0"/>
+              <a:t>19</a:t>
+            </a:fld>
+            <a:endParaRPr lang="en-GB"/>
+          </a:p>
+        </p:txBody>
+      </p:sp>
+    </p:spTree>
+    <p:extLst>
+      <p:ext uri="{BB962C8B-B14F-4D97-AF65-F5344CB8AC3E}">
         <p14:creationId xmlns:p14="http://schemas.microsoft.com/office/powerpoint/2010/main" val="2444300637"/>
+      </p:ext>
+    </p:extLst>
+  </p:cSld>
+  <p:clrMapOvr>
+    <a:masterClrMapping/>
+  </p:clrMapOvr>
+</p:notes>
+</file>
+
+<file path=ppt/notesSlides/notesSlide17.xml><?xml version="1.0" encoding="utf-8"?>
+<p:notes xmlns:a="http://schemas.openxmlformats.org/drawingml/2006/main" xmlns:r="http://schemas.openxmlformats.org/officeDocument/2006/relationships" xmlns:p="http://schemas.openxmlformats.org/presentationml/2006/main">
+  <p:cSld>
+    <p:spTree>
+      <p:nvGrpSpPr>
+        <p:cNvPr id="1" name=""/>
+        <p:cNvGrpSpPr/>
+        <p:nvPr/>
+      </p:nvGrpSpPr>
+      <p:grpSpPr>
+        <a:xfrm>
+          <a:off x="0" y="0"/>
+          <a:ext cx="0" cy="0"/>
+          <a:chOff x="0" y="0"/>
+          <a:chExt cx="0" cy="0"/>
+        </a:xfrm>
+      </p:grpSpPr>
+      <p:sp>
+        <p:nvSpPr>
+          <p:cNvPr id="2" name="Slide Image Placeholder 1"/>
+          <p:cNvSpPr>
+            <a:spLocks noGrp="1" noRot="1" noChangeAspect="1"/>
+          </p:cNvSpPr>
+          <p:nvPr>
+            <p:ph type="sldImg"/>
+          </p:nvPr>
+        </p:nvSpPr>
+        <p:spPr/>
+      </p:sp>
+      <p:sp>
+        <p:nvSpPr>
+          <p:cNvPr id="3" name="Notes Placeholder 2"/>
+          <p:cNvSpPr>
+            <a:spLocks noGrp="1"/>
+          </p:cNvSpPr>
+          <p:nvPr>
+            <p:ph type="body" idx="1"/>
+          </p:nvPr>
+        </p:nvSpPr>
+        <p:spPr/>
+        <p:txBody>
+          <a:bodyPr/>
+          <a:lstStyle/>
+          <a:p>
+            <a:endParaRPr lang="en-GB" dirty="0"/>
+          </a:p>
+        </p:txBody>
+      </p:sp>
+      <p:sp>
+        <p:nvSpPr>
+          <p:cNvPr id="4" name="Slide Number Placeholder 3"/>
+          <p:cNvSpPr>
+            <a:spLocks noGrp="1"/>
+          </p:cNvSpPr>
+          <p:nvPr>
+            <p:ph type="sldNum" sz="quarter" idx="5"/>
+          </p:nvPr>
+        </p:nvSpPr>
+        <p:spPr/>
+        <p:txBody>
+          <a:bodyPr/>
+          <a:lstStyle/>
+          <a:p>
+            <a:fld id="{08DC7B87-F559-46E3-A28F-0AC95BADFEA0}" type="slidenum">
+              <a:rPr lang="en-GB" smtClean="0"/>
+              <a:t>20</a:t>
+            </a:fld>
+            <a:endParaRPr lang="en-GB"/>
+          </a:p>
+        </p:txBody>
+      </p:sp>
+    </p:spTree>
+    <p:extLst>
+      <p:ext uri="{BB962C8B-B14F-4D97-AF65-F5344CB8AC3E}">
+        <p14:creationId xmlns:p14="http://schemas.microsoft.com/office/powerpoint/2010/main" val="1339097415"/>
       </p:ext>
     </p:extLst>
   </p:cSld>
@@ -10739,6 +10956,90 @@
     </p:spTree>
     <p:extLst>
       <p:ext uri="{BB962C8B-B14F-4D97-AF65-F5344CB8AC3E}">
+        <p14:creationId xmlns:p14="http://schemas.microsoft.com/office/powerpoint/2010/main" val="4002683336"/>
+      </p:ext>
+    </p:extLst>
+  </p:cSld>
+  <p:clrMapOvr>
+    <a:masterClrMapping/>
+  </p:clrMapOvr>
+</p:notes>
+</file>
+
+<file path=ppt/notesSlides/notesSlide5.xml><?xml version="1.0" encoding="utf-8"?>
+<p:notes xmlns:a="http://schemas.openxmlformats.org/drawingml/2006/main" xmlns:r="http://schemas.openxmlformats.org/officeDocument/2006/relationships" xmlns:p="http://schemas.openxmlformats.org/presentationml/2006/main">
+  <p:cSld>
+    <p:spTree>
+      <p:nvGrpSpPr>
+        <p:cNvPr id="1" name=""/>
+        <p:cNvGrpSpPr/>
+        <p:nvPr/>
+      </p:nvGrpSpPr>
+      <p:grpSpPr>
+        <a:xfrm>
+          <a:off x="0" y="0"/>
+          <a:ext cx="0" cy="0"/>
+          <a:chOff x="0" y="0"/>
+          <a:chExt cx="0" cy="0"/>
+        </a:xfrm>
+      </p:grpSpPr>
+      <p:sp>
+        <p:nvSpPr>
+          <p:cNvPr id="2" name="Slide Image Placeholder 1"/>
+          <p:cNvSpPr>
+            <a:spLocks noGrp="1" noRot="1" noChangeAspect="1"/>
+          </p:cNvSpPr>
+          <p:nvPr>
+            <p:ph type="sldImg"/>
+          </p:nvPr>
+        </p:nvSpPr>
+        <p:spPr/>
+      </p:sp>
+      <p:sp>
+        <p:nvSpPr>
+          <p:cNvPr id="3" name="Notes Placeholder 2"/>
+          <p:cNvSpPr>
+            <a:spLocks noGrp="1"/>
+          </p:cNvSpPr>
+          <p:nvPr>
+            <p:ph type="body" idx="1"/>
+          </p:nvPr>
+        </p:nvSpPr>
+        <p:spPr/>
+        <p:txBody>
+          <a:bodyPr/>
+          <a:lstStyle/>
+          <a:p>
+            <a:endParaRPr lang="en-GB"/>
+          </a:p>
+        </p:txBody>
+      </p:sp>
+      <p:sp>
+        <p:nvSpPr>
+          <p:cNvPr id="4" name="Slide Number Placeholder 3"/>
+          <p:cNvSpPr>
+            <a:spLocks noGrp="1"/>
+          </p:cNvSpPr>
+          <p:nvPr>
+            <p:ph type="sldNum" sz="quarter" idx="10"/>
+          </p:nvPr>
+        </p:nvSpPr>
+        <p:spPr/>
+        <p:txBody>
+          <a:bodyPr/>
+          <a:lstStyle/>
+          <a:p>
+            <a:fld id="{08DC7B87-F559-46E3-A28F-0AC95BADFEA0}" type="slidenum">
+              <a:rPr lang="en-GB" smtClean="0"/>
+              <a:t>6</a:t>
+            </a:fld>
+            <a:endParaRPr lang="en-GB"/>
+          </a:p>
+        </p:txBody>
+      </p:sp>
+    </p:spTree>
+    <p:extLst>
+      <p:ext uri="{BB962C8B-B14F-4D97-AF65-F5344CB8AC3E}">
         <p14:creationId xmlns:p14="http://schemas.microsoft.com/office/powerpoint/2010/main" val="911553973"/>
       </p:ext>
     </p:extLst>
@@ -10749,7 +11050,7 @@
 </p:notes>
 </file>
 
-<file path=ppt/notesSlides/notesSlide5.xml><?xml version="1.0" encoding="utf-8"?>
+<file path=ppt/notesSlides/notesSlide6.xml><?xml version="1.0" encoding="utf-8"?>
 <p:notes xmlns:a="http://schemas.openxmlformats.org/drawingml/2006/main" xmlns:r="http://schemas.openxmlformats.org/officeDocument/2006/relationships" xmlns:p="http://schemas.openxmlformats.org/presentationml/2006/main">
   <p:cSld>
     <p:spTree>
@@ -10946,7 +11247,7 @@
           <a:p>
             <a:fld id="{08DC7B87-F559-46E3-A28F-0AC95BADFEA0}" type="slidenum">
               <a:rPr lang="en-GB" smtClean="0"/>
-              <a:t>6</a:t>
+              <a:t>7</a:t>
             </a:fld>
             <a:endParaRPr lang="en-GB"/>
           </a:p>
@@ -10965,7 +11266,7 @@
 </p:notes>
 </file>
 
-<file path=ppt/notesSlides/notesSlide6.xml><?xml version="1.0" encoding="utf-8"?>
+<file path=ppt/notesSlides/notesSlide7.xml><?xml version="1.0" encoding="utf-8"?>
 <p:notes xmlns:a="http://schemas.openxmlformats.org/drawingml/2006/main" xmlns:r="http://schemas.openxmlformats.org/officeDocument/2006/relationships" xmlns:p="http://schemas.openxmlformats.org/presentationml/2006/main">
   <p:cSld>
     <p:spTree>
@@ -11116,7 +11417,7 @@
           <a:p>
             <a:fld id="{08DC7B87-F559-46E3-A28F-0AC95BADFEA0}" type="slidenum">
               <a:rPr lang="en-GB" smtClean="0"/>
-              <a:t>7</a:t>
+              <a:t>8</a:t>
             </a:fld>
             <a:endParaRPr lang="en-GB"/>
           </a:p>
@@ -11135,7 +11436,7 @@
 </p:notes>
 </file>
 
-<file path=ppt/notesSlides/notesSlide7.xml><?xml version="1.0" encoding="utf-8"?>
+<file path=ppt/notesSlides/notesSlide8.xml><?xml version="1.0" encoding="utf-8"?>
 <p:notes xmlns:a="http://schemas.openxmlformats.org/drawingml/2006/main" xmlns:r="http://schemas.openxmlformats.org/officeDocument/2006/relationships" xmlns:p="http://schemas.openxmlformats.org/presentationml/2006/main">
   <p:cSld>
     <p:spTree>
@@ -11200,7 +11501,7 @@
           <a:p>
             <a:fld id="{08DC7B87-F559-46E3-A28F-0AC95BADFEA0}" type="slidenum">
               <a:rPr lang="en-GB" smtClean="0"/>
-              <a:t>8</a:t>
+              <a:t>9</a:t>
             </a:fld>
             <a:endParaRPr lang="en-GB"/>
           </a:p>
@@ -11219,7 +11520,7 @@
 </p:notes>
 </file>
 
-<file path=ppt/notesSlides/notesSlide8.xml><?xml version="1.0" encoding="utf-8"?>
+<file path=ppt/notesSlides/notesSlide9.xml><?xml version="1.0" encoding="utf-8"?>
 <p:notes xmlns:a="http://schemas.openxmlformats.org/drawingml/2006/main" xmlns:r="http://schemas.openxmlformats.org/officeDocument/2006/relationships" xmlns:p="http://schemas.openxmlformats.org/presentationml/2006/main">
   <p:cSld>
     <p:spTree>
@@ -11392,7 +11693,7 @@
           <a:p>
             <a:fld id="{08DC7B87-F559-46E3-A28F-0AC95BADFEA0}" type="slidenum">
               <a:rPr lang="en-GB" smtClean="0"/>
-              <a:t>9</a:t>
+              <a:t>10</a:t>
             </a:fld>
             <a:endParaRPr lang="en-GB"/>
           </a:p>
@@ -11402,147 +11703,6 @@
     <p:extLst>
       <p:ext uri="{BB962C8B-B14F-4D97-AF65-F5344CB8AC3E}">
         <p14:creationId xmlns:p14="http://schemas.microsoft.com/office/powerpoint/2010/main" val="1151003484"/>
-      </p:ext>
-    </p:extLst>
-  </p:cSld>
-  <p:clrMapOvr>
-    <a:masterClrMapping/>
-  </p:clrMapOvr>
-</p:notes>
-</file>
-
-<file path=ppt/notesSlides/notesSlide9.xml><?xml version="1.0" encoding="utf-8"?>
-<p:notes xmlns:a="http://schemas.openxmlformats.org/drawingml/2006/main" xmlns:r="http://schemas.openxmlformats.org/officeDocument/2006/relationships" xmlns:p="http://schemas.openxmlformats.org/presentationml/2006/main">
-  <p:cSld>
-    <p:spTree>
-      <p:nvGrpSpPr>
-        <p:cNvPr id="1" name=""/>
-        <p:cNvGrpSpPr/>
-        <p:nvPr/>
-      </p:nvGrpSpPr>
-      <p:grpSpPr>
-        <a:xfrm>
-          <a:off x="0" y="0"/>
-          <a:ext cx="0" cy="0"/>
-          <a:chOff x="0" y="0"/>
-          <a:chExt cx="0" cy="0"/>
-        </a:xfrm>
-      </p:grpSpPr>
-      <p:sp>
-        <p:nvSpPr>
-          <p:cNvPr id="2" name="Slide Image Placeholder 1"/>
-          <p:cNvSpPr>
-            <a:spLocks noGrp="1" noRot="1" noChangeAspect="1"/>
-          </p:cNvSpPr>
-          <p:nvPr>
-            <p:ph type="sldImg"/>
-          </p:nvPr>
-        </p:nvSpPr>
-        <p:spPr/>
-      </p:sp>
-      <p:sp>
-        <p:nvSpPr>
-          <p:cNvPr id="3" name="Notes Placeholder 2"/>
-          <p:cNvSpPr>
-            <a:spLocks noGrp="1"/>
-          </p:cNvSpPr>
-          <p:nvPr>
-            <p:ph type="body" idx="1"/>
-          </p:nvPr>
-        </p:nvSpPr>
-        <p:spPr/>
-        <p:txBody>
-          <a:bodyPr/>
-          <a:lstStyle/>
-          <a:p>
-            <a:r>
-              <a:rPr lang="en-GB" dirty="0" err="1"/>
-              <a:t>DESeq</a:t>
-            </a:r>
-            <a:r>
-              <a:rPr lang="en-GB" dirty="0"/>
-              <a:t>: </a:t>
-            </a:r>
-            <a:r>
-              <a:rPr lang="en-US" sz="1200" b="0" i="0" u="sng" kern="1200" dirty="0">
-                <a:solidFill>
-                  <a:schemeClr val="tx1"/>
-                </a:solidFill>
-                <a:effectLst/>
-                <a:latin typeface="+mn-lt"/>
-                <a:ea typeface="+mn-ea"/>
-                <a:cs typeface="+mn-cs"/>
-                <a:hlinkClick r:id="rId3"/>
-              </a:rPr>
-              <a:t>https://doi.org/10.1186</a:t>
-            </a:r>
-            <a:r>
-              <a:rPr lang="en-US" sz="1200" b="0" i="0" u="sng" kern="1200">
-                <a:solidFill>
-                  <a:schemeClr val="tx1"/>
-                </a:solidFill>
-                <a:effectLst/>
-                <a:latin typeface="+mn-lt"/>
-                <a:ea typeface="+mn-ea"/>
-                <a:cs typeface="+mn-cs"/>
-                <a:hlinkClick r:id="rId3"/>
-              </a:rPr>
-              <a:t>/gb-2010-11-10-r106</a:t>
-            </a:r>
-            <a:endParaRPr lang="en-US" sz="1200" b="0" i="0" u="none" kern="1200" dirty="0">
-              <a:solidFill>
-                <a:schemeClr val="tx1"/>
-              </a:solidFill>
-              <a:effectLst/>
-              <a:latin typeface="+mn-lt"/>
-              <a:ea typeface="+mn-ea"/>
-              <a:cs typeface="+mn-cs"/>
-            </a:endParaRPr>
-          </a:p>
-          <a:p>
-            <a:r>
-              <a:rPr lang="en-US" sz="1200" b="0" i="0" u="none" kern="1200" dirty="0">
-                <a:solidFill>
-                  <a:schemeClr val="tx1"/>
-                </a:solidFill>
-                <a:effectLst/>
-                <a:latin typeface="+mn-lt"/>
-                <a:ea typeface="+mn-ea"/>
-                <a:cs typeface="+mn-cs"/>
-              </a:rPr>
-              <a:t> </a:t>
-            </a:r>
-            <a:endParaRPr lang="en-GB" u="none" dirty="0"/>
-          </a:p>
-        </p:txBody>
-      </p:sp>
-      <p:sp>
-        <p:nvSpPr>
-          <p:cNvPr id="4" name="Slide Number Placeholder 3"/>
-          <p:cNvSpPr>
-            <a:spLocks noGrp="1"/>
-          </p:cNvSpPr>
-          <p:nvPr>
-            <p:ph type="sldNum" sz="quarter" idx="10"/>
-          </p:nvPr>
-        </p:nvSpPr>
-        <p:spPr/>
-        <p:txBody>
-          <a:bodyPr/>
-          <a:lstStyle/>
-          <a:p>
-            <a:fld id="{08DC7B87-F559-46E3-A28F-0AC95BADFEA0}" type="slidenum">
-              <a:rPr lang="en-GB" smtClean="0"/>
-              <a:t>10</a:t>
-            </a:fld>
-            <a:endParaRPr lang="en-GB"/>
-          </a:p>
-        </p:txBody>
-      </p:sp>
-    </p:spTree>
-    <p:extLst>
-      <p:ext uri="{BB962C8B-B14F-4D97-AF65-F5344CB8AC3E}">
-        <p14:creationId xmlns:p14="http://schemas.microsoft.com/office/powerpoint/2010/main" val="646970386"/>
       </p:ext>
     </p:extLst>
   </p:cSld>
@@ -11701,7 +11861,7 @@
           <a:p>
             <a:fld id="{FFBA9AA5-EF0F-8B46-85D7-BFA9E9AAB7D1}" type="datetime1">
               <a:rPr lang="en-US" smtClean="0"/>
-              <a:t>8/2/22</a:t>
+              <a:t>8/16/22</a:t>
             </a:fld>
             <a:endParaRPr lang="en-GB"/>
           </a:p>
@@ -11901,7 +12061,7 @@
           <a:p>
             <a:fld id="{D59E9733-916C-874E-90B0-F70BC63E9D2B}" type="datetime1">
               <a:rPr lang="en-US" smtClean="0"/>
-              <a:t>8/2/22</a:t>
+              <a:t>8/16/22</a:t>
             </a:fld>
             <a:endParaRPr lang="en-GB"/>
           </a:p>
@@ -12111,7 +12271,7 @@
           <a:p>
             <a:fld id="{5997D700-30C7-5348-9C83-E150031C46F2}" type="datetime1">
               <a:rPr lang="en-US" smtClean="0"/>
-              <a:t>8/2/22</a:t>
+              <a:t>8/16/22</a:t>
             </a:fld>
             <a:endParaRPr lang="en-GB"/>
           </a:p>
@@ -12311,7 +12471,7 @@
           <a:p>
             <a:fld id="{45523148-C081-BF45-B319-238D13563939}" type="datetime1">
               <a:rPr lang="en-US" smtClean="0"/>
-              <a:t>8/2/22</a:t>
+              <a:t>8/16/22</a:t>
             </a:fld>
             <a:endParaRPr lang="en-GB"/>
           </a:p>
@@ -12587,7 +12747,7 @@
           <a:p>
             <a:fld id="{7643B5D6-4622-654F-9FF3-8A7B77E7C86F}" type="datetime1">
               <a:rPr lang="en-US" smtClean="0"/>
-              <a:t>8/2/22</a:t>
+              <a:t>8/16/22</a:t>
             </a:fld>
             <a:endParaRPr lang="en-GB"/>
           </a:p>
@@ -12855,7 +13015,7 @@
           <a:p>
             <a:fld id="{6DA346A3-A0CA-F644-8E0E-D6212D2E6237}" type="datetime1">
               <a:rPr lang="en-US" smtClean="0"/>
-              <a:t>8/2/22</a:t>
+              <a:t>8/16/22</a:t>
             </a:fld>
             <a:endParaRPr lang="en-GB"/>
           </a:p>
@@ -13270,7 +13430,7 @@
           <a:p>
             <a:fld id="{9E029D88-9528-2E4C-801B-87FEEB98B6EC}" type="datetime1">
               <a:rPr lang="en-US" smtClean="0"/>
-              <a:t>8/2/22</a:t>
+              <a:t>8/16/22</a:t>
             </a:fld>
             <a:endParaRPr lang="en-GB"/>
           </a:p>
@@ -13412,7 +13572,7 @@
           <a:p>
             <a:fld id="{95E2DC62-1447-D044-B033-34FB2977468C}" type="datetime1">
               <a:rPr lang="en-US" smtClean="0"/>
-              <a:t>8/2/22</a:t>
+              <a:t>8/16/22</a:t>
             </a:fld>
             <a:endParaRPr lang="en-GB"/>
           </a:p>
@@ -13525,7 +13685,7 @@
           <a:p>
             <a:fld id="{07726795-26A5-7C45-8970-AA2F54E1D838}" type="datetime1">
               <a:rPr lang="en-US" smtClean="0"/>
-              <a:t>8/2/22</a:t>
+              <a:t>8/16/22</a:t>
             </a:fld>
             <a:endParaRPr lang="en-GB"/>
           </a:p>
@@ -13838,7 +13998,7 @@
           <a:p>
             <a:fld id="{7CED9D28-7FA9-CE4D-BFB6-3F4745E5130C}" type="datetime1">
               <a:rPr lang="en-US" smtClean="0"/>
-              <a:t>8/2/22</a:t>
+              <a:t>8/16/22</a:t>
             </a:fld>
             <a:endParaRPr lang="en-GB"/>
           </a:p>
@@ -14127,7 +14287,7 @@
           <a:p>
             <a:fld id="{D02D4A53-6887-6748-8CFA-2801B6A283D8}" type="datetime1">
               <a:rPr lang="en-US" smtClean="0"/>
-              <a:t>8/2/22</a:t>
+              <a:t>8/16/22</a:t>
             </a:fld>
             <a:endParaRPr lang="en-GB"/>
           </a:p>
@@ -14370,7 +14530,7 @@
           <a:p>
             <a:fld id="{D0CDFB70-F297-0E44-A949-38ED45F1B6D8}" type="datetime1">
               <a:rPr lang="en-US" smtClean="0"/>
-              <a:t>8/2/22</a:t>
+              <a:t>8/16/22</a:t>
             </a:fld>
             <a:endParaRPr lang="en-GB"/>
           </a:p>
@@ -15409,6 +15569,234 @@
 </file>
 
 <file path=ppt/slides/slide10.xml><?xml version="1.0" encoding="utf-8"?>
+<p:sld xmlns:a="http://schemas.openxmlformats.org/drawingml/2006/main" xmlns:r="http://schemas.openxmlformats.org/officeDocument/2006/relationships" xmlns:p="http://schemas.openxmlformats.org/presentationml/2006/main">
+  <p:cSld>
+    <p:spTree>
+      <p:nvGrpSpPr>
+        <p:cNvPr id="1" name=""/>
+        <p:cNvGrpSpPr/>
+        <p:nvPr/>
+      </p:nvGrpSpPr>
+      <p:grpSpPr>
+        <a:xfrm>
+          <a:off x="0" y="0"/>
+          <a:ext cx="0" cy="0"/>
+          <a:chOff x="0" y="0"/>
+          <a:chExt cx="0" cy="0"/>
+        </a:xfrm>
+      </p:grpSpPr>
+      <p:sp>
+        <p:nvSpPr>
+          <p:cNvPr id="6" name="Content Placeholder 5">
+            <a:extLst>
+              <a:ext uri="{FF2B5EF4-FFF2-40B4-BE49-F238E27FC236}">
+                <a16:creationId xmlns:a16="http://schemas.microsoft.com/office/drawing/2014/main" id="{5DC2C182-3DD4-9A7A-02F3-ABCD246C596E}"/>
+              </a:ext>
+            </a:extLst>
+          </p:cNvPr>
+          <p:cNvSpPr>
+            <a:spLocks noGrp="1"/>
+          </p:cNvSpPr>
+          <p:nvPr>
+            <p:ph idx="1"/>
+          </p:nvPr>
+        </p:nvSpPr>
+        <p:spPr>
+          <a:xfrm>
+            <a:off x="838200" y="1825625"/>
+            <a:ext cx="4558990" cy="4351338"/>
+          </a:xfrm>
+        </p:spPr>
+        <p:txBody>
+          <a:bodyPr/>
+          <a:lstStyle/>
+          <a:p>
+            <a:pPr marL="0" indent="0">
+              <a:buNone/>
+            </a:pPr>
+            <a:r>
+              <a:rPr lang="en-US" sz="3200" b="1" dirty="0"/>
+              <a:t>RNA composition</a:t>
+            </a:r>
+          </a:p>
+          <a:p>
+            <a:r>
+              <a:rPr lang="en-US" dirty="0"/>
+              <a:t>Few highly expressed genes can skew normalization</a:t>
+            </a:r>
+          </a:p>
+          <a:p>
+            <a:pPr marL="0" indent="0">
+              <a:buNone/>
+            </a:pPr>
+            <a:endParaRPr lang="en-US" dirty="0"/>
+          </a:p>
+          <a:p>
+            <a:r>
+              <a:rPr lang="en-US" dirty="0"/>
+              <a:t>Especially important to consider for differential expression</a:t>
+            </a:r>
+          </a:p>
+          <a:p>
+            <a:pPr marL="0" indent="0">
+              <a:buNone/>
+            </a:pPr>
+            <a:endParaRPr lang="en-US" b="1" dirty="0"/>
+          </a:p>
+        </p:txBody>
+      </p:sp>
+      <p:sp>
+        <p:nvSpPr>
+          <p:cNvPr id="4" name="Slide Number Placeholder 3">
+            <a:extLst>
+              <a:ext uri="{FF2B5EF4-FFF2-40B4-BE49-F238E27FC236}">
+                <a16:creationId xmlns:a16="http://schemas.microsoft.com/office/drawing/2014/main" id="{67B19E52-04BB-D443-A53B-0DF7515AAED0}"/>
+              </a:ext>
+            </a:extLst>
+          </p:cNvPr>
+          <p:cNvSpPr>
+            <a:spLocks noGrp="1"/>
+          </p:cNvSpPr>
+          <p:nvPr>
+            <p:ph type="sldNum" sz="quarter" idx="12"/>
+          </p:nvPr>
+        </p:nvSpPr>
+        <p:spPr/>
+        <p:txBody>
+          <a:bodyPr/>
+          <a:lstStyle/>
+          <a:p>
+            <a:fld id="{32F5D486-9235-B84E-AA07-352A9BD1BCBB}" type="slidenum">
+              <a:rPr lang="en-US" smtClean="0"/>
+              <a:t>10</a:t>
+            </a:fld>
+            <a:endParaRPr lang="en-US"/>
+          </a:p>
+        </p:txBody>
+      </p:sp>
+      <p:sp>
+        <p:nvSpPr>
+          <p:cNvPr id="10" name="Rounded Rectangle 9">
+            <a:extLst>
+              <a:ext uri="{FF2B5EF4-FFF2-40B4-BE49-F238E27FC236}">
+                <a16:creationId xmlns:a16="http://schemas.microsoft.com/office/drawing/2014/main" id="{3A7DB403-6FB3-3643-B981-DEC98F83F378}"/>
+              </a:ext>
+            </a:extLst>
+          </p:cNvPr>
+          <p:cNvSpPr/>
+          <p:nvPr/>
+        </p:nvSpPr>
+        <p:spPr>
+          <a:xfrm>
+            <a:off x="925550" y="457200"/>
+            <a:ext cx="5731728" cy="747132"/>
+          </a:xfrm>
+          <a:prstGeom prst="roundRect">
+            <a:avLst/>
+          </a:prstGeom>
+          <a:solidFill>
+            <a:schemeClr val="accent5"/>
+          </a:solidFill>
+          <a:ln>
+            <a:solidFill>
+              <a:schemeClr val="accent5"/>
+            </a:solidFill>
+          </a:ln>
+        </p:spPr>
+        <p:style>
+          <a:lnRef idx="2">
+            <a:schemeClr val="accent1">
+              <a:shade val="50000"/>
+            </a:schemeClr>
+          </a:lnRef>
+          <a:fillRef idx="1">
+            <a:schemeClr val="accent1"/>
+          </a:fillRef>
+          <a:effectRef idx="0">
+            <a:schemeClr val="accent1"/>
+          </a:effectRef>
+          <a:fontRef idx="minor">
+            <a:schemeClr val="lt1"/>
+          </a:fontRef>
+        </p:style>
+        <p:txBody>
+          <a:bodyPr rtlCol="0" anchor="ctr"/>
+          <a:lstStyle/>
+          <a:p>
+            <a:pPr algn="ctr"/>
+            <a:r>
+              <a:rPr lang="en-US" sz="4400" b="1" dirty="0"/>
+              <a:t>Count matrix. </a:t>
+            </a:r>
+            <a:r>
+              <a:rPr lang="en-US" sz="4400" dirty="0"/>
+              <a:t>Biases</a:t>
+            </a:r>
+            <a:endParaRPr lang="en-GB" sz="4400" dirty="0"/>
+          </a:p>
+        </p:txBody>
+      </p:sp>
+      <p:pic>
+        <p:nvPicPr>
+          <p:cNvPr id="4098" name="Picture 2">
+            <a:extLst>
+              <a:ext uri="{FF2B5EF4-FFF2-40B4-BE49-F238E27FC236}">
+                <a16:creationId xmlns:a16="http://schemas.microsoft.com/office/drawing/2014/main" id="{8520F116-DAEC-4F85-D4BF-2D8AC2FE4C8E}"/>
+              </a:ext>
+            </a:extLst>
+          </p:cNvPr>
+          <p:cNvPicPr>
+            <a:picLocks noChangeAspect="1" noChangeArrowheads="1"/>
+          </p:cNvPicPr>
+          <p:nvPr/>
+        </p:nvPicPr>
+        <p:blipFill>
+          <a:blip r:embed="rId3">
+            <a:extLst>
+              <a:ext uri="{28A0092B-C50C-407E-A947-70E740481C1C}">
+                <a14:useLocalDpi xmlns:a14="http://schemas.microsoft.com/office/drawing/2010/main" val="0"/>
+              </a:ext>
+            </a:extLst>
+          </a:blip>
+          <a:srcRect/>
+          <a:stretch>
+            <a:fillRect/>
+          </a:stretch>
+        </p:blipFill>
+        <p:spPr bwMode="auto">
+          <a:xfrm>
+            <a:off x="5928731" y="1421523"/>
+            <a:ext cx="5099825" cy="5159542"/>
+          </a:xfrm>
+          <a:prstGeom prst="rect">
+            <a:avLst/>
+          </a:prstGeom>
+          <a:noFill/>
+          <a:extLst>
+            <a:ext uri="{909E8E84-426E-40DD-AFC4-6F175D3DCCD1}">
+              <a14:hiddenFill xmlns:a14="http://schemas.microsoft.com/office/drawing/2010/main">
+                <a:solidFill>
+                  <a:srgbClr val="FFFFFF"/>
+                </a:solidFill>
+              </a14:hiddenFill>
+            </a:ext>
+          </a:extLst>
+        </p:spPr>
+      </p:pic>
+    </p:spTree>
+    <p:extLst>
+      <p:ext uri="{BB962C8B-B14F-4D97-AF65-F5344CB8AC3E}">
+        <p14:creationId xmlns:p14="http://schemas.microsoft.com/office/powerpoint/2010/main" val="2258367953"/>
+      </p:ext>
+    </p:extLst>
+  </p:cSld>
+  <p:clrMapOvr>
+    <a:masterClrMapping/>
+  </p:clrMapOvr>
+</p:sld>
+</file>
+
+<file path=ppt/slides/slide11.xml><?xml version="1.0" encoding="utf-8"?>
 <p:sld xmlns:a="http://schemas.openxmlformats.org/drawingml/2006/main" xmlns:r="http://schemas.openxmlformats.org/officeDocument/2006/relationships" xmlns:p="http://schemas.openxmlformats.org/presentationml/2006/main">
   <p:cSld>
     <p:spTree>
@@ -17984,7 +18372,7 @@
           <a:p>
             <a:fld id="{32F5D486-9235-B84E-AA07-352A9BD1BCBB}" type="slidenum">
               <a:rPr lang="en-US" smtClean="0"/>
-              <a:t>10</a:t>
+              <a:t>11</a:t>
             </a:fld>
             <a:endParaRPr lang="en-US" dirty="0"/>
           </a:p>
@@ -18652,7 +19040,7 @@
 </p:sld>
 </file>
 
-<file path=ppt/slides/slide11.xml><?xml version="1.0" encoding="utf-8"?>
+<file path=ppt/slides/slide12.xml><?xml version="1.0" encoding="utf-8"?>
 <p:sld xmlns:a="http://schemas.openxmlformats.org/drawingml/2006/main" xmlns:r="http://schemas.openxmlformats.org/officeDocument/2006/relationships" xmlns:p="http://schemas.openxmlformats.org/presentationml/2006/main">
   <p:cSld>
     <p:spTree>
@@ -18692,7 +19080,7 @@
           <a:p>
             <a:fld id="{32F5D486-9235-B84E-AA07-352A9BD1BCBB}" type="slidenum">
               <a:rPr lang="en-US" smtClean="0"/>
-              <a:t>11</a:t>
+              <a:t>12</a:t>
             </a:fld>
             <a:endParaRPr lang="en-US"/>
           </a:p>
@@ -18985,7 +19373,7 @@
 </p:sld>
 </file>
 
-<file path=ppt/slides/slide12.xml><?xml version="1.0" encoding="utf-8"?>
+<file path=ppt/slides/slide13.xml><?xml version="1.0" encoding="utf-8"?>
 <p:sld xmlns:a="http://schemas.openxmlformats.org/drawingml/2006/main" xmlns:r="http://schemas.openxmlformats.org/officeDocument/2006/relationships" xmlns:p="http://schemas.openxmlformats.org/presentationml/2006/main">
   <p:cSld>
     <p:spTree>
@@ -19087,7 +19475,7 @@
           <a:p>
             <a:fld id="{32F5D486-9235-B84E-AA07-352A9BD1BCBB}" type="slidenum">
               <a:rPr lang="en-US" smtClean="0"/>
-              <a:t>12</a:t>
+              <a:t>13</a:t>
             </a:fld>
             <a:endParaRPr lang="en-US"/>
           </a:p>
@@ -19383,7 +19771,7 @@
 </p:sld>
 </file>
 
-<file path=ppt/slides/slide13.xml><?xml version="1.0" encoding="utf-8"?>
+<file path=ppt/slides/slide14.xml><?xml version="1.0" encoding="utf-8"?>
 <p:sld xmlns:a="http://schemas.openxmlformats.org/drawingml/2006/main" xmlns:r="http://schemas.openxmlformats.org/officeDocument/2006/relationships" xmlns:p="http://schemas.openxmlformats.org/presentationml/2006/main">
   <p:cSld>
     <p:spTree>
@@ -19573,7 +19961,7 @@
           <a:p>
             <a:fld id="{32F5D486-9235-B84E-AA07-352A9BD1BCBB}" type="slidenum">
               <a:rPr lang="en-US" smtClean="0"/>
-              <a:t>13</a:t>
+              <a:t>14</a:t>
             </a:fld>
             <a:endParaRPr lang="en-US"/>
           </a:p>
@@ -19892,7 +20280,7 @@
 </p:sld>
 </file>
 
-<file path=ppt/slides/slide14.xml><?xml version="1.0" encoding="utf-8"?>
+<file path=ppt/slides/slide15.xml><?xml version="1.0" encoding="utf-8"?>
 <p:sld xmlns:a="http://schemas.openxmlformats.org/drawingml/2006/main" xmlns:r="http://schemas.openxmlformats.org/officeDocument/2006/relationships" xmlns:p="http://schemas.openxmlformats.org/presentationml/2006/main">
   <p:cSld>
     <p:spTree>
@@ -20092,7 +20480,7 @@
           <a:p>
             <a:fld id="{32F5D486-9235-B84E-AA07-352A9BD1BCBB}" type="slidenum">
               <a:rPr lang="en-US" smtClean="0"/>
-              <a:t>14</a:t>
+              <a:t>15</a:t>
             </a:fld>
             <a:endParaRPr lang="en-US"/>
           </a:p>
@@ -20560,7 +20948,7 @@
 </p:sld>
 </file>
 
-<file path=ppt/slides/slide15.xml><?xml version="1.0" encoding="utf-8"?>
+<file path=ppt/slides/slide16.xml><?xml version="1.0" encoding="utf-8"?>
 <p:sld xmlns:a="http://schemas.openxmlformats.org/drawingml/2006/main" xmlns:r="http://schemas.openxmlformats.org/officeDocument/2006/relationships" xmlns:p="http://schemas.openxmlformats.org/presentationml/2006/main">
   <p:cSld>
     <p:spTree>
@@ -20717,7 +21105,7 @@
           <a:p>
             <a:fld id="{32F5D486-9235-B84E-AA07-352A9BD1BCBB}" type="slidenum">
               <a:rPr lang="en-US" smtClean="0"/>
-              <a:t>15</a:t>
+              <a:t>16</a:t>
             </a:fld>
             <a:endParaRPr lang="en-US"/>
           </a:p>
@@ -21226,7 +21614,7 @@
 </p:sld>
 </file>
 
-<file path=ppt/slides/slide16.xml><?xml version="1.0" encoding="utf-8"?>
+<file path=ppt/slides/slide17.xml><?xml version="1.0" encoding="utf-8"?>
 <p:sld xmlns:a="http://schemas.openxmlformats.org/drawingml/2006/main" xmlns:r="http://schemas.openxmlformats.org/officeDocument/2006/relationships" xmlns:p="http://schemas.openxmlformats.org/presentationml/2006/main">
   <p:cSld>
     <p:spTree>
@@ -21395,7 +21783,7 @@
           <a:p>
             <a:fld id="{32F5D486-9235-B84E-AA07-352A9BD1BCBB}" type="slidenum">
               <a:rPr lang="en-US" smtClean="0"/>
-              <a:t>16</a:t>
+              <a:t>17</a:t>
             </a:fld>
             <a:endParaRPr lang="en-US"/>
           </a:p>
@@ -21416,7 +21804,7 @@
           <p:nvPr>
             <p:extLst>
               <p:ext uri="{D42A27DB-BD31-4B8C-83A1-F6EECF244321}">
-                <p14:modId xmlns:p14="http://schemas.microsoft.com/office/powerpoint/2010/main" val="3212181094"/>
+                <p14:modId xmlns:p14="http://schemas.microsoft.com/office/powerpoint/2010/main" val="1078277190"/>
               </p:ext>
             </p:extLst>
           </p:nvPr>
@@ -21795,10 +22183,10 @@
                           <a:ea typeface="+mn-ea"/>
                           <a:cs typeface="+mn-cs"/>
                         </a:rPr>
-                        <a:t>sqrt(22 * 13) = </a:t>
+                        <a:t>sqrt(22 * 13) </a:t>
                       </a:r>
                       <a:r>
-                        <a:rPr lang="en-GB" sz="1800" b="1" i="0" kern="1200" dirty="0">
+                        <a:rPr lang="en-GB" sz="1800" b="0" i="0" kern="1200">
                           <a:solidFill>
                             <a:schemeClr val="dk1"/>
                           </a:solidFill>
@@ -21807,7 +22195,19 @@
                           <a:ea typeface="+mn-ea"/>
                           <a:cs typeface="+mn-cs"/>
                         </a:rPr>
-                        <a:t>17.7</a:t>
+                        <a:t>= </a:t>
+                      </a:r>
+                      <a:r>
+                        <a:rPr lang="en-GB" sz="1800" b="1" i="0" kern="1200">
+                          <a:solidFill>
+                            <a:schemeClr val="dk1"/>
+                          </a:solidFill>
+                          <a:effectLst/>
+                          <a:latin typeface="+mn-lt"/>
+                          <a:ea typeface="+mn-ea"/>
+                          <a:cs typeface="+mn-cs"/>
+                        </a:rPr>
+                        <a:t>16.9</a:t>
                       </a:r>
                       <a:endParaRPr lang="en-DK" dirty="0"/>
                     </a:p>
@@ -22122,7 +22522,7 @@
 </p:sld>
 </file>
 
-<file path=ppt/slides/slide17.xml><?xml version="1.0" encoding="utf-8"?>
+<file path=ppt/slides/slide18.xml><?xml version="1.0" encoding="utf-8"?>
 <p:sld xmlns:a="http://schemas.openxmlformats.org/drawingml/2006/main" xmlns:r="http://schemas.openxmlformats.org/officeDocument/2006/relationships" xmlns:p="http://schemas.openxmlformats.org/presentationml/2006/main">
   <p:cSld>
     <p:spTree>
@@ -22278,7 +22678,7 @@
           <a:p>
             <a:fld id="{32F5D486-9235-B84E-AA07-352A9BD1BCBB}" type="slidenum">
               <a:rPr lang="en-US" smtClean="0"/>
-              <a:t>17</a:t>
+              <a:t>18</a:t>
             </a:fld>
             <a:endParaRPr lang="en-US"/>
           </a:p>
@@ -22867,7 +23267,7 @@
 </p:sld>
 </file>
 
-<file path=ppt/slides/slide18.xml><?xml version="1.0" encoding="utf-8"?>
+<file path=ppt/slides/slide19.xml><?xml version="1.0" encoding="utf-8"?>
 <p:sld xmlns:a="http://schemas.openxmlformats.org/drawingml/2006/main" xmlns:r="http://schemas.openxmlformats.org/officeDocument/2006/relationships" xmlns:p="http://schemas.openxmlformats.org/presentationml/2006/main">
   <p:cSld>
     <p:spTree>
@@ -23030,7 +23430,7 @@
           <a:p>
             <a:fld id="{32F5D486-9235-B84E-AA07-352A9BD1BCBB}" type="slidenum">
               <a:rPr lang="en-US" smtClean="0"/>
-              <a:t>18</a:t>
+              <a:t>19</a:t>
             </a:fld>
             <a:endParaRPr lang="en-US"/>
           </a:p>
@@ -24351,6 +24751,173 @@
     <p:extLst>
       <p:ext uri="{BB962C8B-B14F-4D97-AF65-F5344CB8AC3E}">
         <p14:creationId xmlns:p14="http://schemas.microsoft.com/office/powerpoint/2010/main" val="2501018916"/>
+      </p:ext>
+    </p:extLst>
+  </p:cSld>
+  <p:clrMapOvr>
+    <a:masterClrMapping/>
+  </p:clrMapOvr>
+</p:sld>
+</file>
+
+<file path=ppt/slides/slide20.xml><?xml version="1.0" encoding="utf-8"?>
+<p:sld xmlns:a="http://schemas.openxmlformats.org/drawingml/2006/main" xmlns:r="http://schemas.openxmlformats.org/officeDocument/2006/relationships" xmlns:p="http://schemas.openxmlformats.org/presentationml/2006/main">
+  <p:cSld>
+    <p:spTree>
+      <p:nvGrpSpPr>
+        <p:cNvPr id="1" name=""/>
+        <p:cNvGrpSpPr/>
+        <p:nvPr/>
+      </p:nvGrpSpPr>
+      <p:grpSpPr>
+        <a:xfrm>
+          <a:off x="0" y="0"/>
+          <a:ext cx="0" cy="0"/>
+          <a:chOff x="0" y="0"/>
+          <a:chExt cx="0" cy="0"/>
+        </a:xfrm>
+      </p:grpSpPr>
+      <p:sp>
+        <p:nvSpPr>
+          <p:cNvPr id="8" name="Rounded Rectangle 7">
+            <a:extLst>
+              <a:ext uri="{FF2B5EF4-FFF2-40B4-BE49-F238E27FC236}">
+                <a16:creationId xmlns:a16="http://schemas.microsoft.com/office/drawing/2014/main" id="{C42BEAD9-1201-7F4F-B2FC-C0BEB5AC6B10}"/>
+              </a:ext>
+            </a:extLst>
+          </p:cNvPr>
+          <p:cNvSpPr/>
+          <p:nvPr/>
+        </p:nvSpPr>
+        <p:spPr>
+          <a:xfrm>
+            <a:off x="838200" y="740671"/>
+            <a:ext cx="6711176" cy="747132"/>
+          </a:xfrm>
+          <a:prstGeom prst="roundRect">
+            <a:avLst/>
+          </a:prstGeom>
+          <a:solidFill>
+            <a:schemeClr val="accent5"/>
+          </a:solidFill>
+          <a:ln>
+            <a:solidFill>
+              <a:schemeClr val="accent5"/>
+            </a:solidFill>
+          </a:ln>
+        </p:spPr>
+        <p:style>
+          <a:lnRef idx="2">
+            <a:schemeClr val="accent1">
+              <a:shade val="50000"/>
+            </a:schemeClr>
+          </a:lnRef>
+          <a:fillRef idx="1">
+            <a:schemeClr val="accent1"/>
+          </a:fillRef>
+          <a:effectRef idx="0">
+            <a:schemeClr val="accent1"/>
+          </a:effectRef>
+          <a:fontRef idx="minor">
+            <a:schemeClr val="lt1"/>
+          </a:fontRef>
+        </p:style>
+        <p:txBody>
+          <a:bodyPr rtlCol="0" anchor="ctr"/>
+          <a:lstStyle/>
+          <a:p>
+            <a:pPr algn="ctr"/>
+            <a:r>
+              <a:rPr lang="en-GB" sz="4400" b="1" dirty="0"/>
+              <a:t>DESeq2 normalized counts</a:t>
+            </a:r>
+          </a:p>
+        </p:txBody>
+      </p:sp>
+      <p:sp>
+        <p:nvSpPr>
+          <p:cNvPr id="7" name="Content Placeholder 6">
+            <a:extLst>
+              <a:ext uri="{FF2B5EF4-FFF2-40B4-BE49-F238E27FC236}">
+                <a16:creationId xmlns:a16="http://schemas.microsoft.com/office/drawing/2014/main" id="{0CF2398D-3228-A84E-A070-C08498D50C7A}"/>
+              </a:ext>
+            </a:extLst>
+          </p:cNvPr>
+          <p:cNvSpPr>
+            <a:spLocks noGrp="1"/>
+          </p:cNvSpPr>
+          <p:nvPr>
+            <p:ph idx="1"/>
+          </p:nvPr>
+        </p:nvSpPr>
+        <p:spPr/>
+        <p:txBody>
+          <a:bodyPr>
+            <a:normAutofit/>
+          </a:bodyPr>
+          <a:lstStyle/>
+          <a:p>
+            <a:pPr marL="0" indent="0" algn="ctr">
+              <a:buNone/>
+            </a:pPr>
+            <a:endParaRPr lang="en-GB" sz="3200" dirty="0"/>
+          </a:p>
+          <a:p>
+            <a:pPr marL="0" indent="0" algn="ctr">
+              <a:buNone/>
+            </a:pPr>
+            <a:endParaRPr lang="en-GB" sz="3200" dirty="0"/>
+          </a:p>
+          <a:p>
+            <a:pPr marL="0" indent="0" algn="ctr">
+              <a:buNone/>
+            </a:pPr>
+            <a:endParaRPr lang="en-GB" sz="3200" dirty="0"/>
+          </a:p>
+          <a:p>
+            <a:pPr marL="0" indent="0" algn="ctr">
+              <a:buNone/>
+            </a:pPr>
+            <a:r>
+              <a:rPr lang="en-GB" sz="3200" dirty="0"/>
+              <a:t>Let’s calculate our normalize counts for our dataset</a:t>
+            </a:r>
+          </a:p>
+        </p:txBody>
+      </p:sp>
+      <p:sp>
+        <p:nvSpPr>
+          <p:cNvPr id="4" name="Slide Number Placeholder 3">
+            <a:extLst>
+              <a:ext uri="{FF2B5EF4-FFF2-40B4-BE49-F238E27FC236}">
+                <a16:creationId xmlns:a16="http://schemas.microsoft.com/office/drawing/2014/main" id="{64A746E2-C15B-844C-AF34-21740F077D44}"/>
+              </a:ext>
+            </a:extLst>
+          </p:cNvPr>
+          <p:cNvSpPr>
+            <a:spLocks noGrp="1"/>
+          </p:cNvSpPr>
+          <p:nvPr>
+            <p:ph type="sldNum" sz="quarter" idx="12"/>
+          </p:nvPr>
+        </p:nvSpPr>
+        <p:spPr/>
+        <p:txBody>
+          <a:bodyPr/>
+          <a:lstStyle/>
+          <a:p>
+            <a:fld id="{32F5D486-9235-B84E-AA07-352A9BD1BCBB}" type="slidenum">
+              <a:rPr lang="en-US" smtClean="0"/>
+              <a:t>20</a:t>
+            </a:fld>
+            <a:endParaRPr lang="en-US"/>
+          </a:p>
+        </p:txBody>
+      </p:sp>
+    </p:spTree>
+    <p:extLst>
+      <p:ext uri="{BB962C8B-B14F-4D97-AF65-F5344CB8AC3E}">
+        <p14:creationId xmlns:p14="http://schemas.microsoft.com/office/powerpoint/2010/main" val="856994100"/>
       </p:ext>
     </p:extLst>
   </p:cSld>
@@ -34257,6 +34824,698 @@
           </a:bodyPr>
           <a:lstStyle/>
           <a:p>
+            <a:pPr marL="0" indent="0" algn="ctr">
+              <a:lnSpc>
+                <a:spcPct val="150000"/>
+              </a:lnSpc>
+              <a:buNone/>
+            </a:pPr>
+            <a:r>
+              <a:rPr lang="en-US" sz="3200" dirty="0"/>
+              <a:t>The </a:t>
+            </a:r>
+            <a:r>
+              <a:rPr lang="en-US" sz="3200" b="1" dirty="0"/>
+              <a:t>raw count matrix cannot be used </a:t>
+            </a:r>
+            <a:r>
+              <a:rPr lang="en-US" sz="3200" dirty="0"/>
+              <a:t>for anything!</a:t>
+            </a:r>
+          </a:p>
+          <a:p>
+            <a:pPr>
+              <a:lnSpc>
+                <a:spcPct val="150000"/>
+              </a:lnSpc>
+            </a:pPr>
+            <a:r>
+              <a:rPr lang="en-US" dirty="0"/>
+              <a:t>There are several biases that affect the count matrix</a:t>
+            </a:r>
+          </a:p>
+          <a:p>
+            <a:pPr>
+              <a:lnSpc>
+                <a:spcPct val="150000"/>
+              </a:lnSpc>
+            </a:pPr>
+            <a:r>
+              <a:rPr lang="en-US" dirty="0"/>
+              <a:t>Before our analysis, we need to correct for…</a:t>
+            </a:r>
+          </a:p>
+        </p:txBody>
+      </p:sp>
+      <p:graphicFrame>
+        <p:nvGraphicFramePr>
+          <p:cNvPr id="9" name="Table 8">
+            <a:extLst>
+              <a:ext uri="{FF2B5EF4-FFF2-40B4-BE49-F238E27FC236}">
+                <a16:creationId xmlns:a16="http://schemas.microsoft.com/office/drawing/2014/main" id="{026BE514-FCDA-DF47-81D0-ED2FAA2DD914}"/>
+              </a:ext>
+            </a:extLst>
+          </p:cNvPr>
+          <p:cNvGraphicFramePr>
+            <a:graphicFrameLocks noGrp="1"/>
+          </p:cNvGraphicFramePr>
+          <p:nvPr/>
+        </p:nvGraphicFramePr>
+        <p:xfrm>
+          <a:off x="2702626" y="1690688"/>
+          <a:ext cx="6786748" cy="2225040"/>
+        </p:xfrm>
+        <a:graphic>
+          <a:graphicData uri="http://schemas.openxmlformats.org/drawingml/2006/table">
+            <a:tbl>
+              <a:tblPr firstRow="1" bandRow="1">
+                <a:tableStyleId>{5C22544A-7EE6-4342-B048-85BDC9FD1C3A}</a:tableStyleId>
+              </a:tblPr>
+              <a:tblGrid>
+                <a:gridCol w="1696687">
+                  <a:extLst>
+                    <a:ext uri="{9D8B030D-6E8A-4147-A177-3AD203B41FA5}">
+                      <a16:colId xmlns:a16="http://schemas.microsoft.com/office/drawing/2014/main" val="365978032"/>
+                    </a:ext>
+                  </a:extLst>
+                </a:gridCol>
+                <a:gridCol w="1696687">
+                  <a:extLst>
+                    <a:ext uri="{9D8B030D-6E8A-4147-A177-3AD203B41FA5}">
+                      <a16:colId xmlns:a16="http://schemas.microsoft.com/office/drawing/2014/main" val="3000837144"/>
+                    </a:ext>
+                  </a:extLst>
+                </a:gridCol>
+                <a:gridCol w="1696687">
+                  <a:extLst>
+                    <a:ext uri="{9D8B030D-6E8A-4147-A177-3AD203B41FA5}">
+                      <a16:colId xmlns:a16="http://schemas.microsoft.com/office/drawing/2014/main" val="267090186"/>
+                    </a:ext>
+                  </a:extLst>
+                </a:gridCol>
+                <a:gridCol w="1696687">
+                  <a:extLst>
+                    <a:ext uri="{9D8B030D-6E8A-4147-A177-3AD203B41FA5}">
+                      <a16:colId xmlns:a16="http://schemas.microsoft.com/office/drawing/2014/main" val="2718257219"/>
+                    </a:ext>
+                  </a:extLst>
+                </a:gridCol>
+              </a:tblGrid>
+              <a:tr h="370840">
+                <a:tc>
+                  <a:txBody>
+                    <a:bodyPr/>
+                    <a:lstStyle/>
+                    <a:p>
+                      <a:pPr algn="ctr"/>
+                      <a:r>
+                        <a:rPr lang="en-GB" dirty="0"/>
+                        <a:t>Gene Name</a:t>
+                      </a:r>
+                    </a:p>
+                  </a:txBody>
+                  <a:tcPr/>
+                </a:tc>
+                <a:tc>
+                  <a:txBody>
+                    <a:bodyPr/>
+                    <a:lstStyle/>
+                    <a:p>
+                      <a:pPr algn="ctr"/>
+                      <a:r>
+                        <a:rPr lang="en-GB" dirty="0"/>
+                        <a:t>Rep1 Counts</a:t>
+                      </a:r>
+                    </a:p>
+                  </a:txBody>
+                  <a:tcPr/>
+                </a:tc>
+                <a:tc>
+                  <a:txBody>
+                    <a:bodyPr/>
+                    <a:lstStyle/>
+                    <a:p>
+                      <a:pPr algn="ctr"/>
+                      <a:r>
+                        <a:rPr lang="en-GB" dirty="0"/>
+                        <a:t>Rep2 Counts</a:t>
+                      </a:r>
+                    </a:p>
+                  </a:txBody>
+                  <a:tcPr/>
+                </a:tc>
+                <a:tc>
+                  <a:txBody>
+                    <a:bodyPr/>
+                    <a:lstStyle/>
+                    <a:p>
+                      <a:pPr algn="ctr"/>
+                      <a:r>
+                        <a:rPr lang="en-GB" dirty="0"/>
+                        <a:t>Rep3 Counts</a:t>
+                      </a:r>
+                    </a:p>
+                  </a:txBody>
+                  <a:tcPr/>
+                </a:tc>
+                <a:extLst>
+                  <a:ext uri="{0D108BD9-81ED-4DB2-BD59-A6C34878D82A}">
+                    <a16:rowId xmlns:a16="http://schemas.microsoft.com/office/drawing/2014/main" val="3575676363"/>
+                  </a:ext>
+                </a:extLst>
+              </a:tr>
+              <a:tr h="370840">
+                <a:tc>
+                  <a:txBody>
+                    <a:bodyPr/>
+                    <a:lstStyle/>
+                    <a:p>
+                      <a:pPr algn="ctr"/>
+                      <a:r>
+                        <a:rPr lang="en-GB" dirty="0"/>
+                        <a:t>A (2 </a:t>
+                      </a:r>
+                      <a:r>
+                        <a:rPr lang="en-GB" dirty="0" err="1"/>
+                        <a:t>Kb</a:t>
+                      </a:r>
+                      <a:r>
+                        <a:rPr lang="en-GB" dirty="0"/>
+                        <a:t>)</a:t>
+                      </a:r>
+                    </a:p>
+                  </a:txBody>
+                  <a:tcPr/>
+                </a:tc>
+                <a:tc>
+                  <a:txBody>
+                    <a:bodyPr/>
+                    <a:lstStyle/>
+                    <a:p>
+                      <a:pPr algn="ctr"/>
+                      <a:r>
+                        <a:rPr lang="en-GB" dirty="0"/>
+                        <a:t>10</a:t>
+                      </a:r>
+                    </a:p>
+                  </a:txBody>
+                  <a:tcPr/>
+                </a:tc>
+                <a:tc>
+                  <a:txBody>
+                    <a:bodyPr/>
+                    <a:lstStyle/>
+                    <a:p>
+                      <a:pPr algn="ctr"/>
+                      <a:r>
+                        <a:rPr lang="en-GB" dirty="0"/>
+                        <a:t>12</a:t>
+                      </a:r>
+                    </a:p>
+                  </a:txBody>
+                  <a:tcPr/>
+                </a:tc>
+                <a:tc>
+                  <a:txBody>
+                    <a:bodyPr/>
+                    <a:lstStyle/>
+                    <a:p>
+                      <a:pPr algn="ctr"/>
+                      <a:r>
+                        <a:rPr lang="en-GB" dirty="0"/>
+                        <a:t>30</a:t>
+                      </a:r>
+                    </a:p>
+                  </a:txBody>
+                  <a:tcPr/>
+                </a:tc>
+                <a:extLst>
+                  <a:ext uri="{0D108BD9-81ED-4DB2-BD59-A6C34878D82A}">
+                    <a16:rowId xmlns:a16="http://schemas.microsoft.com/office/drawing/2014/main" val="453789635"/>
+                  </a:ext>
+                </a:extLst>
+              </a:tr>
+              <a:tr h="370840">
+                <a:tc>
+                  <a:txBody>
+                    <a:bodyPr/>
+                    <a:lstStyle/>
+                    <a:p>
+                      <a:pPr algn="ctr"/>
+                      <a:r>
+                        <a:rPr lang="en-GB" dirty="0"/>
+                        <a:t>B (4 </a:t>
+                      </a:r>
+                      <a:r>
+                        <a:rPr lang="en-GB" dirty="0" err="1"/>
+                        <a:t>Kb</a:t>
+                      </a:r>
+                      <a:r>
+                        <a:rPr lang="en-GB" dirty="0"/>
+                        <a:t>)</a:t>
+                      </a:r>
+                    </a:p>
+                  </a:txBody>
+                  <a:tcPr/>
+                </a:tc>
+                <a:tc>
+                  <a:txBody>
+                    <a:bodyPr/>
+                    <a:lstStyle/>
+                    <a:p>
+                      <a:pPr algn="ctr"/>
+                      <a:r>
+                        <a:rPr lang="en-GB" dirty="0"/>
+                        <a:t>20</a:t>
+                      </a:r>
+                    </a:p>
+                  </a:txBody>
+                  <a:tcPr/>
+                </a:tc>
+                <a:tc>
+                  <a:txBody>
+                    <a:bodyPr/>
+                    <a:lstStyle/>
+                    <a:p>
+                      <a:pPr algn="ctr"/>
+                      <a:r>
+                        <a:rPr lang="en-GB" dirty="0"/>
+                        <a:t>25</a:t>
+                      </a:r>
+                    </a:p>
+                  </a:txBody>
+                  <a:tcPr/>
+                </a:tc>
+                <a:tc>
+                  <a:txBody>
+                    <a:bodyPr/>
+                    <a:lstStyle/>
+                    <a:p>
+                      <a:pPr algn="ctr"/>
+                      <a:r>
+                        <a:rPr lang="en-GB" dirty="0"/>
+                        <a:t>60</a:t>
+                      </a:r>
+                    </a:p>
+                  </a:txBody>
+                  <a:tcPr/>
+                </a:tc>
+                <a:extLst>
+                  <a:ext uri="{0D108BD9-81ED-4DB2-BD59-A6C34878D82A}">
+                    <a16:rowId xmlns:a16="http://schemas.microsoft.com/office/drawing/2014/main" val="2321044291"/>
+                  </a:ext>
+                </a:extLst>
+              </a:tr>
+              <a:tr h="370840">
+                <a:tc>
+                  <a:txBody>
+                    <a:bodyPr/>
+                    <a:lstStyle/>
+                    <a:p>
+                      <a:pPr algn="ctr"/>
+                      <a:r>
+                        <a:rPr lang="en-GB" dirty="0"/>
+                        <a:t>C (1 </a:t>
+                      </a:r>
+                      <a:r>
+                        <a:rPr lang="en-GB" dirty="0" err="1"/>
+                        <a:t>Kb</a:t>
+                      </a:r>
+                      <a:r>
+                        <a:rPr lang="en-GB" dirty="0"/>
+                        <a:t>)</a:t>
+                      </a:r>
+                    </a:p>
+                  </a:txBody>
+                  <a:tcPr/>
+                </a:tc>
+                <a:tc>
+                  <a:txBody>
+                    <a:bodyPr/>
+                    <a:lstStyle/>
+                    <a:p>
+                      <a:pPr algn="ctr"/>
+                      <a:r>
+                        <a:rPr lang="en-GB" dirty="0"/>
+                        <a:t>5</a:t>
+                      </a:r>
+                    </a:p>
+                  </a:txBody>
+                  <a:tcPr/>
+                </a:tc>
+                <a:tc>
+                  <a:txBody>
+                    <a:bodyPr/>
+                    <a:lstStyle/>
+                    <a:p>
+                      <a:pPr algn="ctr"/>
+                      <a:r>
+                        <a:rPr lang="en-GB" dirty="0"/>
+                        <a:t>8</a:t>
+                      </a:r>
+                    </a:p>
+                  </a:txBody>
+                  <a:tcPr/>
+                </a:tc>
+                <a:tc>
+                  <a:txBody>
+                    <a:bodyPr/>
+                    <a:lstStyle/>
+                    <a:p>
+                      <a:pPr algn="ctr"/>
+                      <a:r>
+                        <a:rPr lang="en-GB" dirty="0"/>
+                        <a:t>15</a:t>
+                      </a:r>
+                    </a:p>
+                  </a:txBody>
+                  <a:tcPr/>
+                </a:tc>
+                <a:extLst>
+                  <a:ext uri="{0D108BD9-81ED-4DB2-BD59-A6C34878D82A}">
+                    <a16:rowId xmlns:a16="http://schemas.microsoft.com/office/drawing/2014/main" val="2281159093"/>
+                  </a:ext>
+                </a:extLst>
+              </a:tr>
+              <a:tr h="370840">
+                <a:tc>
+                  <a:txBody>
+                    <a:bodyPr/>
+                    <a:lstStyle/>
+                    <a:p>
+                      <a:pPr algn="ctr"/>
+                      <a:r>
+                        <a:rPr lang="en-GB" dirty="0"/>
+                        <a:t>D (10 </a:t>
+                      </a:r>
+                      <a:r>
+                        <a:rPr lang="en-GB" dirty="0" err="1"/>
+                        <a:t>Kb</a:t>
+                      </a:r>
+                      <a:r>
+                        <a:rPr lang="en-GB" dirty="0"/>
+                        <a:t>)</a:t>
+                      </a:r>
+                    </a:p>
+                  </a:txBody>
+                  <a:tcPr/>
+                </a:tc>
+                <a:tc>
+                  <a:txBody>
+                    <a:bodyPr/>
+                    <a:lstStyle/>
+                    <a:p>
+                      <a:pPr algn="ctr"/>
+                      <a:r>
+                        <a:rPr lang="en-GB" dirty="0"/>
+                        <a:t>0</a:t>
+                      </a:r>
+                    </a:p>
+                  </a:txBody>
+                  <a:tcPr/>
+                </a:tc>
+                <a:tc>
+                  <a:txBody>
+                    <a:bodyPr/>
+                    <a:lstStyle/>
+                    <a:p>
+                      <a:pPr algn="ctr"/>
+                      <a:r>
+                        <a:rPr lang="en-GB" dirty="0"/>
+                        <a:t>0</a:t>
+                      </a:r>
+                    </a:p>
+                  </a:txBody>
+                  <a:tcPr/>
+                </a:tc>
+                <a:tc>
+                  <a:txBody>
+                    <a:bodyPr/>
+                    <a:lstStyle/>
+                    <a:p>
+                      <a:pPr algn="ctr"/>
+                      <a:r>
+                        <a:rPr lang="en-GB" dirty="0"/>
+                        <a:t>1</a:t>
+                      </a:r>
+                    </a:p>
+                  </a:txBody>
+                  <a:tcPr/>
+                </a:tc>
+                <a:extLst>
+                  <a:ext uri="{0D108BD9-81ED-4DB2-BD59-A6C34878D82A}">
+                    <a16:rowId xmlns:a16="http://schemas.microsoft.com/office/drawing/2014/main" val="2017755379"/>
+                  </a:ext>
+                </a:extLst>
+              </a:tr>
+              <a:tr h="370840">
+                <a:tc>
+                  <a:txBody>
+                    <a:bodyPr/>
+                    <a:lstStyle/>
+                    <a:p>
+                      <a:pPr algn="ctr"/>
+                      <a:r>
+                        <a:rPr lang="en-GB" b="1" dirty="0">
+                          <a:solidFill>
+                            <a:schemeClr val="bg1"/>
+                          </a:solidFill>
+                        </a:rPr>
+                        <a:t>Total counts</a:t>
+                      </a:r>
+                    </a:p>
+                  </a:txBody>
+                  <a:tcPr>
+                    <a:solidFill>
+                      <a:schemeClr val="accent1"/>
+                    </a:solidFill>
+                  </a:tcPr>
+                </a:tc>
+                <a:tc>
+                  <a:txBody>
+                    <a:bodyPr/>
+                    <a:lstStyle/>
+                    <a:p>
+                      <a:pPr algn="ctr"/>
+                      <a:r>
+                        <a:rPr lang="en-GB" b="1" dirty="0">
+                          <a:solidFill>
+                            <a:schemeClr val="bg1"/>
+                          </a:solidFill>
+                        </a:rPr>
+                        <a:t>35</a:t>
+                      </a:r>
+                    </a:p>
+                  </a:txBody>
+                  <a:tcPr>
+                    <a:solidFill>
+                      <a:schemeClr val="accent1"/>
+                    </a:solidFill>
+                  </a:tcPr>
+                </a:tc>
+                <a:tc>
+                  <a:txBody>
+                    <a:bodyPr/>
+                    <a:lstStyle/>
+                    <a:p>
+                      <a:pPr algn="ctr"/>
+                      <a:r>
+                        <a:rPr lang="en-GB" b="1" dirty="0">
+                          <a:solidFill>
+                            <a:schemeClr val="bg1"/>
+                          </a:solidFill>
+                        </a:rPr>
+                        <a:t>45</a:t>
+                      </a:r>
+                    </a:p>
+                  </a:txBody>
+                  <a:tcPr>
+                    <a:solidFill>
+                      <a:schemeClr val="accent1"/>
+                    </a:solidFill>
+                  </a:tcPr>
+                </a:tc>
+                <a:tc>
+                  <a:txBody>
+                    <a:bodyPr/>
+                    <a:lstStyle/>
+                    <a:p>
+                      <a:pPr algn="ctr"/>
+                      <a:r>
+                        <a:rPr lang="en-GB" b="1" dirty="0">
+                          <a:solidFill>
+                            <a:schemeClr val="bg1"/>
+                          </a:solidFill>
+                        </a:rPr>
+                        <a:t>106</a:t>
+                      </a:r>
+                    </a:p>
+                  </a:txBody>
+                  <a:tcPr>
+                    <a:solidFill>
+                      <a:schemeClr val="accent1"/>
+                    </a:solidFill>
+                  </a:tcPr>
+                </a:tc>
+                <a:extLst>
+                  <a:ext uri="{0D108BD9-81ED-4DB2-BD59-A6C34878D82A}">
+                    <a16:rowId xmlns:a16="http://schemas.microsoft.com/office/drawing/2014/main" val="526182734"/>
+                  </a:ext>
+                </a:extLst>
+              </a:tr>
+            </a:tbl>
+          </a:graphicData>
+        </a:graphic>
+      </p:graphicFrame>
+      <p:sp>
+        <p:nvSpPr>
+          <p:cNvPr id="4" name="Slide Number Placeholder 3">
+            <a:extLst>
+              <a:ext uri="{FF2B5EF4-FFF2-40B4-BE49-F238E27FC236}">
+                <a16:creationId xmlns:a16="http://schemas.microsoft.com/office/drawing/2014/main" id="{67B19E52-04BB-D443-A53B-0DF7515AAED0}"/>
+              </a:ext>
+            </a:extLst>
+          </p:cNvPr>
+          <p:cNvSpPr>
+            <a:spLocks noGrp="1"/>
+          </p:cNvSpPr>
+          <p:nvPr>
+            <p:ph type="sldNum" sz="quarter" idx="12"/>
+          </p:nvPr>
+        </p:nvSpPr>
+        <p:spPr/>
+        <p:txBody>
+          <a:bodyPr/>
+          <a:lstStyle/>
+          <a:p>
+            <a:fld id="{32F5D486-9235-B84E-AA07-352A9BD1BCBB}" type="slidenum">
+              <a:rPr lang="en-US" smtClean="0"/>
+              <a:t>5</a:t>
+            </a:fld>
+            <a:endParaRPr lang="en-US" dirty="0"/>
+          </a:p>
+        </p:txBody>
+      </p:sp>
+      <p:sp>
+        <p:nvSpPr>
+          <p:cNvPr id="7" name="Rounded Rectangle 6">
+            <a:extLst>
+              <a:ext uri="{FF2B5EF4-FFF2-40B4-BE49-F238E27FC236}">
+                <a16:creationId xmlns:a16="http://schemas.microsoft.com/office/drawing/2014/main" id="{3FA92F81-7E15-9B4C-B558-292C1280525D}"/>
+              </a:ext>
+            </a:extLst>
+          </p:cNvPr>
+          <p:cNvSpPr/>
+          <p:nvPr/>
+        </p:nvSpPr>
+        <p:spPr>
+          <a:xfrm>
+            <a:off x="925550" y="457200"/>
+            <a:ext cx="8240752" cy="747132"/>
+          </a:xfrm>
+          <a:prstGeom prst="roundRect">
+            <a:avLst/>
+          </a:prstGeom>
+          <a:solidFill>
+            <a:schemeClr val="accent5"/>
+          </a:solidFill>
+          <a:ln>
+            <a:solidFill>
+              <a:schemeClr val="accent5"/>
+            </a:solidFill>
+          </a:ln>
+        </p:spPr>
+        <p:style>
+          <a:lnRef idx="2">
+            <a:schemeClr val="accent1">
+              <a:shade val="50000"/>
+            </a:schemeClr>
+          </a:lnRef>
+          <a:fillRef idx="1">
+            <a:schemeClr val="accent1"/>
+          </a:fillRef>
+          <a:effectRef idx="0">
+            <a:schemeClr val="accent1"/>
+          </a:effectRef>
+          <a:fontRef idx="minor">
+            <a:schemeClr val="lt1"/>
+          </a:fontRef>
+        </p:style>
+        <p:txBody>
+          <a:bodyPr rtlCol="0" anchor="ctr"/>
+          <a:lstStyle/>
+          <a:p>
+            <a:pPr algn="ctr"/>
+            <a:r>
+              <a:rPr lang="en-US" sz="4400" b="1" dirty="0"/>
+              <a:t>Count matrix. </a:t>
+            </a:r>
+            <a:r>
+              <a:rPr lang="en-US" sz="4400" dirty="0"/>
+              <a:t>Raw count matrix</a:t>
+            </a:r>
+            <a:endParaRPr lang="en-GB" sz="4400" dirty="0"/>
+          </a:p>
+        </p:txBody>
+      </p:sp>
+    </p:spTree>
+    <p:extLst>
+      <p:ext uri="{BB962C8B-B14F-4D97-AF65-F5344CB8AC3E}">
+        <p14:creationId xmlns:p14="http://schemas.microsoft.com/office/powerpoint/2010/main" val="2579188907"/>
+      </p:ext>
+    </p:extLst>
+  </p:cSld>
+  <p:clrMapOvr>
+    <a:masterClrMapping/>
+  </p:clrMapOvr>
+</p:sld>
+</file>
+
+<file path=ppt/slides/slide6.xml><?xml version="1.0" encoding="utf-8"?>
+<p:sld xmlns:a="http://schemas.openxmlformats.org/drawingml/2006/main" xmlns:r="http://schemas.openxmlformats.org/officeDocument/2006/relationships" xmlns:p="http://schemas.openxmlformats.org/presentationml/2006/main">
+  <p:cSld>
+    <p:spTree>
+      <p:nvGrpSpPr>
+        <p:cNvPr id="1" name=""/>
+        <p:cNvGrpSpPr/>
+        <p:nvPr/>
+      </p:nvGrpSpPr>
+      <p:grpSpPr>
+        <a:xfrm>
+          <a:off x="0" y="0"/>
+          <a:ext cx="0" cy="0"/>
+          <a:chOff x="0" y="0"/>
+          <a:chExt cx="0" cy="0"/>
+        </a:xfrm>
+      </p:grpSpPr>
+      <p:sp>
+        <p:nvSpPr>
+          <p:cNvPr id="3" name="Content Placeholder 2">
+            <a:extLst>
+              <a:ext uri="{FF2B5EF4-FFF2-40B4-BE49-F238E27FC236}">
+                <a16:creationId xmlns:a16="http://schemas.microsoft.com/office/drawing/2014/main" id="{9381969F-7109-134D-9F2D-AC3CC1A14845}"/>
+              </a:ext>
+            </a:extLst>
+          </p:cNvPr>
+          <p:cNvSpPr>
+            <a:spLocks noGrp="1"/>
+          </p:cNvSpPr>
+          <p:nvPr>
+            <p:ph idx="1"/>
+          </p:nvPr>
+        </p:nvSpPr>
+        <p:spPr>
+          <a:xfrm>
+            <a:off x="838200" y="4185602"/>
+            <a:ext cx="10515600" cy="2407928"/>
+          </a:xfrm>
+        </p:spPr>
+        <p:txBody>
+          <a:bodyPr>
+            <a:normAutofit/>
+          </a:bodyPr>
+          <a:lstStyle/>
+          <a:p>
             <a:pPr marL="0" indent="0">
               <a:buNone/>
             </a:pPr>
@@ -34833,7 +36092,7 @@
           <a:p>
             <a:fld id="{32F5D486-9235-B84E-AA07-352A9BD1BCBB}" type="slidenum">
               <a:rPr lang="en-US" smtClean="0"/>
-              <a:t>5</a:t>
+              <a:t>6</a:t>
             </a:fld>
             <a:endParaRPr lang="en-US"/>
           </a:p>
@@ -35254,7 +36513,7 @@
 </p:sld>
 </file>
 
-<file path=ppt/slides/slide6.xml><?xml version="1.0" encoding="utf-8"?>
+<file path=ppt/slides/slide7.xml><?xml version="1.0" encoding="utf-8"?>
 <p:sld xmlns:a="http://schemas.openxmlformats.org/drawingml/2006/main" xmlns:r="http://schemas.openxmlformats.org/officeDocument/2006/relationships" xmlns:p="http://schemas.openxmlformats.org/presentationml/2006/main">
   <p:cSld>
     <p:spTree>
@@ -35353,7 +36612,7 @@
           <a:p>
             <a:fld id="{32F5D486-9235-B84E-AA07-352A9BD1BCBB}" type="slidenum">
               <a:rPr lang="en-US" smtClean="0"/>
-              <a:t>6</a:t>
+              <a:t>7</a:t>
             </a:fld>
             <a:endParaRPr lang="en-US"/>
           </a:p>
@@ -35481,7 +36740,7 @@
 </p:sld>
 </file>
 
-<file path=ppt/slides/slide7.xml><?xml version="1.0" encoding="utf-8"?>
+<file path=ppt/slides/slide8.xml><?xml version="1.0" encoding="utf-8"?>
 <p:sld xmlns:a="http://schemas.openxmlformats.org/drawingml/2006/main" xmlns:r="http://schemas.openxmlformats.org/officeDocument/2006/relationships" xmlns:p="http://schemas.openxmlformats.org/presentationml/2006/main">
   <p:cSld>
     <p:spTree>
@@ -35572,7 +36831,7 @@
           <a:p>
             <a:fld id="{32F5D486-9235-B84E-AA07-352A9BD1BCBB}" type="slidenum">
               <a:rPr lang="en-US" smtClean="0"/>
-              <a:t>7</a:t>
+              <a:t>8</a:t>
             </a:fld>
             <a:endParaRPr lang="en-US"/>
           </a:p>
@@ -35700,7 +36959,7 @@
 </p:sld>
 </file>
 
-<file path=ppt/slides/slide8.xml><?xml version="1.0" encoding="utf-8"?>
+<file path=ppt/slides/slide9.xml><?xml version="1.0" encoding="utf-8"?>
 <p:sld xmlns:a="http://schemas.openxmlformats.org/drawingml/2006/main" xmlns:r="http://schemas.openxmlformats.org/officeDocument/2006/relationships" xmlns:p="http://schemas.openxmlformats.org/presentationml/2006/main">
   <p:cSld>
     <p:spTree>
@@ -35813,7 +37072,7 @@
           <a:p>
             <a:fld id="{32F5D486-9235-B84E-AA07-352A9BD1BCBB}" type="slidenum">
               <a:rPr lang="en-US" smtClean="0"/>
-              <a:t>8</a:t>
+              <a:t>9</a:t>
             </a:fld>
             <a:endParaRPr lang="en-US"/>
           </a:p>
@@ -36130,234 +37389,6 @@
       </p:par>
     </p:tnLst>
   </p:timing>
-</p:sld>
-</file>
-
-<file path=ppt/slides/slide9.xml><?xml version="1.0" encoding="utf-8"?>
-<p:sld xmlns:a="http://schemas.openxmlformats.org/drawingml/2006/main" xmlns:r="http://schemas.openxmlformats.org/officeDocument/2006/relationships" xmlns:p="http://schemas.openxmlformats.org/presentationml/2006/main">
-  <p:cSld>
-    <p:spTree>
-      <p:nvGrpSpPr>
-        <p:cNvPr id="1" name=""/>
-        <p:cNvGrpSpPr/>
-        <p:nvPr/>
-      </p:nvGrpSpPr>
-      <p:grpSpPr>
-        <a:xfrm>
-          <a:off x="0" y="0"/>
-          <a:ext cx="0" cy="0"/>
-          <a:chOff x="0" y="0"/>
-          <a:chExt cx="0" cy="0"/>
-        </a:xfrm>
-      </p:grpSpPr>
-      <p:sp>
-        <p:nvSpPr>
-          <p:cNvPr id="6" name="Content Placeholder 5">
-            <a:extLst>
-              <a:ext uri="{FF2B5EF4-FFF2-40B4-BE49-F238E27FC236}">
-                <a16:creationId xmlns:a16="http://schemas.microsoft.com/office/drawing/2014/main" id="{5DC2C182-3DD4-9A7A-02F3-ABCD246C596E}"/>
-              </a:ext>
-            </a:extLst>
-          </p:cNvPr>
-          <p:cNvSpPr>
-            <a:spLocks noGrp="1"/>
-          </p:cNvSpPr>
-          <p:nvPr>
-            <p:ph idx="1"/>
-          </p:nvPr>
-        </p:nvSpPr>
-        <p:spPr>
-          <a:xfrm>
-            <a:off x="838200" y="1825625"/>
-            <a:ext cx="4558990" cy="4351338"/>
-          </a:xfrm>
-        </p:spPr>
-        <p:txBody>
-          <a:bodyPr/>
-          <a:lstStyle/>
-          <a:p>
-            <a:pPr marL="0" indent="0">
-              <a:buNone/>
-            </a:pPr>
-            <a:r>
-              <a:rPr lang="en-US" sz="3200" b="1" dirty="0"/>
-              <a:t>RNA composition</a:t>
-            </a:r>
-          </a:p>
-          <a:p>
-            <a:r>
-              <a:rPr lang="en-US" dirty="0"/>
-              <a:t>Few highly expressed genes can skew normalization</a:t>
-            </a:r>
-          </a:p>
-          <a:p>
-            <a:pPr marL="0" indent="0">
-              <a:buNone/>
-            </a:pPr>
-            <a:endParaRPr lang="en-US" dirty="0"/>
-          </a:p>
-          <a:p>
-            <a:r>
-              <a:rPr lang="en-US" dirty="0"/>
-              <a:t>Especially important to consider for differential expression</a:t>
-            </a:r>
-          </a:p>
-          <a:p>
-            <a:pPr marL="0" indent="0">
-              <a:buNone/>
-            </a:pPr>
-            <a:endParaRPr lang="en-US" b="1" dirty="0"/>
-          </a:p>
-        </p:txBody>
-      </p:sp>
-      <p:sp>
-        <p:nvSpPr>
-          <p:cNvPr id="4" name="Slide Number Placeholder 3">
-            <a:extLst>
-              <a:ext uri="{FF2B5EF4-FFF2-40B4-BE49-F238E27FC236}">
-                <a16:creationId xmlns:a16="http://schemas.microsoft.com/office/drawing/2014/main" id="{67B19E52-04BB-D443-A53B-0DF7515AAED0}"/>
-              </a:ext>
-            </a:extLst>
-          </p:cNvPr>
-          <p:cNvSpPr>
-            <a:spLocks noGrp="1"/>
-          </p:cNvSpPr>
-          <p:nvPr>
-            <p:ph type="sldNum" sz="quarter" idx="12"/>
-          </p:nvPr>
-        </p:nvSpPr>
-        <p:spPr/>
-        <p:txBody>
-          <a:bodyPr/>
-          <a:lstStyle/>
-          <a:p>
-            <a:fld id="{32F5D486-9235-B84E-AA07-352A9BD1BCBB}" type="slidenum">
-              <a:rPr lang="en-US" smtClean="0"/>
-              <a:t>9</a:t>
-            </a:fld>
-            <a:endParaRPr lang="en-US"/>
-          </a:p>
-        </p:txBody>
-      </p:sp>
-      <p:sp>
-        <p:nvSpPr>
-          <p:cNvPr id="10" name="Rounded Rectangle 9">
-            <a:extLst>
-              <a:ext uri="{FF2B5EF4-FFF2-40B4-BE49-F238E27FC236}">
-                <a16:creationId xmlns:a16="http://schemas.microsoft.com/office/drawing/2014/main" id="{3A7DB403-6FB3-3643-B981-DEC98F83F378}"/>
-              </a:ext>
-            </a:extLst>
-          </p:cNvPr>
-          <p:cNvSpPr/>
-          <p:nvPr/>
-        </p:nvSpPr>
-        <p:spPr>
-          <a:xfrm>
-            <a:off x="925550" y="457200"/>
-            <a:ext cx="5731728" cy="747132"/>
-          </a:xfrm>
-          <a:prstGeom prst="roundRect">
-            <a:avLst/>
-          </a:prstGeom>
-          <a:solidFill>
-            <a:schemeClr val="accent5"/>
-          </a:solidFill>
-          <a:ln>
-            <a:solidFill>
-              <a:schemeClr val="accent5"/>
-            </a:solidFill>
-          </a:ln>
-        </p:spPr>
-        <p:style>
-          <a:lnRef idx="2">
-            <a:schemeClr val="accent1">
-              <a:shade val="50000"/>
-            </a:schemeClr>
-          </a:lnRef>
-          <a:fillRef idx="1">
-            <a:schemeClr val="accent1"/>
-          </a:fillRef>
-          <a:effectRef idx="0">
-            <a:schemeClr val="accent1"/>
-          </a:effectRef>
-          <a:fontRef idx="minor">
-            <a:schemeClr val="lt1"/>
-          </a:fontRef>
-        </p:style>
-        <p:txBody>
-          <a:bodyPr rtlCol="0" anchor="ctr"/>
-          <a:lstStyle/>
-          <a:p>
-            <a:pPr algn="ctr"/>
-            <a:r>
-              <a:rPr lang="en-US" sz="4400" b="1" dirty="0"/>
-              <a:t>Count matrix. </a:t>
-            </a:r>
-            <a:r>
-              <a:rPr lang="en-US" sz="4400" dirty="0"/>
-              <a:t>Biases</a:t>
-            </a:r>
-            <a:endParaRPr lang="en-GB" sz="4400" dirty="0"/>
-          </a:p>
-        </p:txBody>
-      </p:sp>
-      <p:pic>
-        <p:nvPicPr>
-          <p:cNvPr id="4098" name="Picture 2">
-            <a:extLst>
-              <a:ext uri="{FF2B5EF4-FFF2-40B4-BE49-F238E27FC236}">
-                <a16:creationId xmlns:a16="http://schemas.microsoft.com/office/drawing/2014/main" id="{8520F116-DAEC-4F85-D4BF-2D8AC2FE4C8E}"/>
-              </a:ext>
-            </a:extLst>
-          </p:cNvPr>
-          <p:cNvPicPr>
-            <a:picLocks noChangeAspect="1" noChangeArrowheads="1"/>
-          </p:cNvPicPr>
-          <p:nvPr/>
-        </p:nvPicPr>
-        <p:blipFill>
-          <a:blip r:embed="rId3">
-            <a:extLst>
-              <a:ext uri="{28A0092B-C50C-407E-A947-70E740481C1C}">
-                <a14:useLocalDpi xmlns:a14="http://schemas.microsoft.com/office/drawing/2010/main" val="0"/>
-              </a:ext>
-            </a:extLst>
-          </a:blip>
-          <a:srcRect/>
-          <a:stretch>
-            <a:fillRect/>
-          </a:stretch>
-        </p:blipFill>
-        <p:spPr bwMode="auto">
-          <a:xfrm>
-            <a:off x="5928731" y="1421523"/>
-            <a:ext cx="5099825" cy="5159542"/>
-          </a:xfrm>
-          <a:prstGeom prst="rect">
-            <a:avLst/>
-          </a:prstGeom>
-          <a:noFill/>
-          <a:extLst>
-            <a:ext uri="{909E8E84-426E-40DD-AFC4-6F175D3DCCD1}">
-              <a14:hiddenFill xmlns:a14="http://schemas.microsoft.com/office/drawing/2010/main">
-                <a:solidFill>
-                  <a:srgbClr val="FFFFFF"/>
-                </a:solidFill>
-              </a14:hiddenFill>
-            </a:ext>
-          </a:extLst>
-        </p:spPr>
-      </p:pic>
-    </p:spTree>
-    <p:extLst>
-      <p:ext uri="{BB962C8B-B14F-4D97-AF65-F5344CB8AC3E}">
-        <p14:creationId xmlns:p14="http://schemas.microsoft.com/office/powerpoint/2010/main" val="2258367953"/>
-      </p:ext>
-    </p:extLst>
-  </p:cSld>
-  <p:clrMapOvr>
-    <a:masterClrMapping/>
-  </p:clrMapOvr>
 </p:sld>
 </file>
 
